--- a/slides/greg_austin_modeling_data_050919.pptx
+++ b/slides/greg_austin_modeling_data_050919.pptx
@@ -32,6 +32,9 @@
     <p:sldId id="283" r:id="rId26"/>
     <p:sldId id="281" r:id="rId27"/>
     <p:sldId id="284" r:id="rId28"/>
+    <p:sldId id="285" r:id="rId29"/>
+    <p:sldId id="286" r:id="rId30"/>
+    <p:sldId id="287" r:id="rId31"/>
   </p:sldIdLst>
   <p:sldSz cx="12192000" cy="6858000"/>
   <p:notesSz cx="6858000" cy="9144000"/>
@@ -6312,44 +6315,261 @@
             <p:ph type="title"/>
           </p:nvPr>
         </p:nvSpPr>
-        <p:spPr/>
+        <p:spPr>
+          <a:xfrm>
+            <a:off x="509726" y="267471"/>
+            <a:ext cx="10515600" cy="735706"/>
+          </a:xfrm>
+        </p:spPr>
         <p:txBody>
           <a:bodyPr/>
           <a:lstStyle/>
           <a:p>
-            <a:endParaRPr lang="en-US"/>
-          </a:p>
-        </p:txBody>
-      </p:sp>
-      <p:sp>
-        <p:nvSpPr>
-          <p:cNvPr id="3" name="Content Placeholder 2">
-            <a:extLst>
-              <a:ext uri="{FF2B5EF4-FFF2-40B4-BE49-F238E27FC236}">
-                <a16:creationId xmlns:a16="http://schemas.microsoft.com/office/drawing/2014/main" id="{5FC6C51C-2A7B-453B-B8C5-5F71959EB9B9}"/>
-              </a:ext>
-            </a:extLst>
-          </p:cNvPr>
-          <p:cNvSpPr>
-            <a:spLocks noGrp="1"/>
-          </p:cNvSpPr>
-          <p:nvPr>
-            <p:ph idx="1"/>
-          </p:nvPr>
-        </p:nvSpPr>
-        <p:spPr/>
-        <p:txBody>
-          <a:bodyPr/>
-          <a:lstStyle/>
-          <a:p>
-            <a:endParaRPr lang="en-US"/>
-          </a:p>
-        </p:txBody>
-      </p:sp>
+            <a:r>
+              <a:rPr lang="en-US" dirty="0"/>
+              <a:t>Transcription GLMM</a:t>
+            </a:r>
+          </a:p>
+        </p:txBody>
+      </p:sp>
+      <p:pic>
+        <p:nvPicPr>
+          <p:cNvPr id="4" name="Picture 3">
+            <a:extLst>
+              <a:ext uri="{FF2B5EF4-FFF2-40B4-BE49-F238E27FC236}">
+                <a16:creationId xmlns:a16="http://schemas.microsoft.com/office/drawing/2014/main" id="{EFC72786-F0DC-4644-BB9C-EF6A7AC0179A}"/>
+              </a:ext>
+            </a:extLst>
+          </p:cNvPr>
+          <p:cNvPicPr>
+            <a:picLocks noChangeAspect="1"/>
+          </p:cNvPicPr>
+          <p:nvPr/>
+        </p:nvPicPr>
+        <p:blipFill>
+          <a:blip r:embed="rId2"/>
+          <a:stretch>
+            <a:fillRect/>
+          </a:stretch>
+        </p:blipFill>
+        <p:spPr>
+          <a:xfrm>
+            <a:off x="2876365" y="989025"/>
+            <a:ext cx="6113581" cy="5743548"/>
+          </a:xfrm>
+          <a:prstGeom prst="rect">
+            <a:avLst/>
+          </a:prstGeom>
+        </p:spPr>
+      </p:pic>
     </p:spTree>
     <p:extLst>
       <p:ext uri="{BB962C8B-B14F-4D97-AF65-F5344CB8AC3E}">
         <p14:creationId xmlns:p14="http://schemas.microsoft.com/office/powerpoint/2010/main" val="2709699587"/>
+      </p:ext>
+    </p:extLst>
+  </p:cSld>
+  <p:clrMapOvr>
+    <a:masterClrMapping/>
+  </p:clrMapOvr>
+</p:sld>
+</file>
+
+<file path=ppt/slides/slide28.xml><?xml version="1.0" encoding="utf-8"?>
+<p:sld xmlns:a="http://schemas.openxmlformats.org/drawingml/2006/main" xmlns:r="http://schemas.openxmlformats.org/officeDocument/2006/relationships" xmlns:p="http://schemas.openxmlformats.org/presentationml/2006/main">
+  <p:cSld>
+    <p:spTree>
+      <p:nvGrpSpPr>
+        <p:cNvPr id="1" name=""/>
+        <p:cNvGrpSpPr/>
+        <p:nvPr/>
+      </p:nvGrpSpPr>
+      <p:grpSpPr>
+        <a:xfrm>
+          <a:off x="0" y="0"/>
+          <a:ext cx="0" cy="0"/>
+          <a:chOff x="0" y="0"/>
+          <a:chExt cx="0" cy="0"/>
+        </a:xfrm>
+      </p:grpSpPr>
+      <p:sp>
+        <p:nvSpPr>
+          <p:cNvPr id="2" name="Title 1">
+            <a:extLst>
+              <a:ext uri="{FF2B5EF4-FFF2-40B4-BE49-F238E27FC236}">
+                <a16:creationId xmlns:a16="http://schemas.microsoft.com/office/drawing/2014/main" id="{69D06D70-793C-476B-8C4E-7D513BE94F27}"/>
+              </a:ext>
+            </a:extLst>
+          </p:cNvPr>
+          <p:cNvSpPr>
+            <a:spLocks noGrp="1"/>
+          </p:cNvSpPr>
+          <p:nvPr>
+            <p:ph type="title"/>
+          </p:nvPr>
+        </p:nvSpPr>
+        <p:spPr>
+          <a:xfrm>
+            <a:off x="580748" y="107674"/>
+            <a:ext cx="10515600" cy="726828"/>
+          </a:xfrm>
+        </p:spPr>
+        <p:txBody>
+          <a:bodyPr/>
+          <a:lstStyle/>
+          <a:p>
+            <a:r>
+              <a:rPr lang="en-US" dirty="0"/>
+              <a:t>Positive </a:t>
+            </a:r>
+            <a:r>
+              <a:rPr lang="en-US" dirty="0" err="1"/>
+              <a:t>txGLMM</a:t>
+            </a:r>
+            <a:r>
+              <a:rPr lang="en-US" dirty="0"/>
+              <a:t> estimate example (YFR044C)</a:t>
+            </a:r>
+          </a:p>
+        </p:txBody>
+      </p:sp>
+      <p:pic>
+        <p:nvPicPr>
+          <p:cNvPr id="4" name="Picture 3">
+            <a:extLst>
+              <a:ext uri="{FF2B5EF4-FFF2-40B4-BE49-F238E27FC236}">
+                <a16:creationId xmlns:a16="http://schemas.microsoft.com/office/drawing/2014/main" id="{6488CD42-92BC-40AC-AA14-33E72F20CC96}"/>
+              </a:ext>
+            </a:extLst>
+          </p:cNvPr>
+          <p:cNvPicPr>
+            <a:picLocks noChangeAspect="1"/>
+          </p:cNvPicPr>
+          <p:nvPr/>
+        </p:nvPicPr>
+        <p:blipFill>
+          <a:blip r:embed="rId2"/>
+          <a:stretch>
+            <a:fillRect/>
+          </a:stretch>
+        </p:blipFill>
+        <p:spPr>
+          <a:xfrm>
+            <a:off x="3240058" y="966807"/>
+            <a:ext cx="5711883" cy="5704761"/>
+          </a:xfrm>
+          <a:prstGeom prst="rect">
+            <a:avLst/>
+          </a:prstGeom>
+        </p:spPr>
+      </p:pic>
+    </p:spTree>
+    <p:extLst>
+      <p:ext uri="{BB962C8B-B14F-4D97-AF65-F5344CB8AC3E}">
+        <p14:creationId xmlns:p14="http://schemas.microsoft.com/office/powerpoint/2010/main" val="1794927219"/>
+      </p:ext>
+    </p:extLst>
+  </p:cSld>
+  <p:clrMapOvr>
+    <a:masterClrMapping/>
+  </p:clrMapOvr>
+</p:sld>
+</file>
+
+<file path=ppt/slides/slide29.xml><?xml version="1.0" encoding="utf-8"?>
+<p:sld xmlns:a="http://schemas.openxmlformats.org/drawingml/2006/main" xmlns:r="http://schemas.openxmlformats.org/officeDocument/2006/relationships" xmlns:p="http://schemas.openxmlformats.org/presentationml/2006/main">
+  <p:cSld>
+    <p:spTree>
+      <p:nvGrpSpPr>
+        <p:cNvPr id="1" name=""/>
+        <p:cNvGrpSpPr/>
+        <p:nvPr/>
+      </p:nvGrpSpPr>
+      <p:grpSpPr>
+        <a:xfrm>
+          <a:off x="0" y="0"/>
+          <a:ext cx="0" cy="0"/>
+          <a:chOff x="0" y="0"/>
+          <a:chExt cx="0" cy="0"/>
+        </a:xfrm>
+      </p:grpSpPr>
+      <p:sp>
+        <p:nvSpPr>
+          <p:cNvPr id="2" name="Title 1">
+            <a:extLst>
+              <a:ext uri="{FF2B5EF4-FFF2-40B4-BE49-F238E27FC236}">
+                <a16:creationId xmlns:a16="http://schemas.microsoft.com/office/drawing/2014/main" id="{69D06D70-793C-476B-8C4E-7D513BE94F27}"/>
+              </a:ext>
+            </a:extLst>
+          </p:cNvPr>
+          <p:cNvSpPr>
+            <a:spLocks noGrp="1"/>
+          </p:cNvSpPr>
+          <p:nvPr>
+            <p:ph type="title"/>
+          </p:nvPr>
+        </p:nvSpPr>
+        <p:spPr>
+          <a:xfrm>
+            <a:off x="580748" y="107674"/>
+            <a:ext cx="10515600" cy="726828"/>
+          </a:xfrm>
+        </p:spPr>
+        <p:txBody>
+          <a:bodyPr>
+            <a:normAutofit fontScale="90000"/>
+          </a:bodyPr>
+          <a:lstStyle/>
+          <a:p>
+            <a:r>
+              <a:rPr lang="en-US" dirty="0"/>
+              <a:t>Negative </a:t>
+            </a:r>
+            <a:r>
+              <a:rPr lang="en-US" dirty="0" err="1"/>
+              <a:t>txGLMM</a:t>
+            </a:r>
+            <a:r>
+              <a:rPr lang="en-US" dirty="0"/>
+              <a:t> estimate example (YCL002C)</a:t>
+            </a:r>
+          </a:p>
+        </p:txBody>
+      </p:sp>
+      <p:pic>
+        <p:nvPicPr>
+          <p:cNvPr id="3" name="Picture 2">
+            <a:extLst>
+              <a:ext uri="{FF2B5EF4-FFF2-40B4-BE49-F238E27FC236}">
+                <a16:creationId xmlns:a16="http://schemas.microsoft.com/office/drawing/2014/main" id="{03EF5FAF-0954-421E-B6CB-75D37952BD1C}"/>
+              </a:ext>
+            </a:extLst>
+          </p:cNvPr>
+          <p:cNvPicPr>
+            <a:picLocks noChangeAspect="1"/>
+          </p:cNvPicPr>
+          <p:nvPr/>
+        </p:nvPicPr>
+        <p:blipFill>
+          <a:blip r:embed="rId2"/>
+          <a:stretch>
+            <a:fillRect/>
+          </a:stretch>
+        </p:blipFill>
+        <p:spPr>
+          <a:xfrm>
+            <a:off x="3348322" y="1072385"/>
+            <a:ext cx="5495356" cy="5537040"/>
+          </a:xfrm>
+          <a:prstGeom prst="rect">
+            <a:avLst/>
+          </a:prstGeom>
+        </p:spPr>
+      </p:pic>
+    </p:spTree>
+    <p:extLst>
+      <p:ext uri="{BB962C8B-B14F-4D97-AF65-F5344CB8AC3E}">
+        <p14:creationId xmlns:p14="http://schemas.microsoft.com/office/powerpoint/2010/main" val="4050568033"/>
       </p:ext>
     </p:extLst>
   </p:cSld>
@@ -6509,6 +6729,109 @@
     <p:extLst>
       <p:ext uri="{BB962C8B-B14F-4D97-AF65-F5344CB8AC3E}">
         <p14:creationId xmlns:p14="http://schemas.microsoft.com/office/powerpoint/2010/main" val="508908555"/>
+      </p:ext>
+    </p:extLst>
+  </p:cSld>
+  <p:clrMapOvr>
+    <a:masterClrMapping/>
+  </p:clrMapOvr>
+</p:sld>
+</file>
+
+<file path=ppt/slides/slide30.xml><?xml version="1.0" encoding="utf-8"?>
+<p:sld xmlns:a="http://schemas.openxmlformats.org/drawingml/2006/main" xmlns:r="http://schemas.openxmlformats.org/officeDocument/2006/relationships" xmlns:p="http://schemas.openxmlformats.org/presentationml/2006/main">
+  <p:cSld>
+    <p:spTree>
+      <p:nvGrpSpPr>
+        <p:cNvPr id="1" name=""/>
+        <p:cNvGrpSpPr/>
+        <p:nvPr/>
+      </p:nvGrpSpPr>
+      <p:grpSpPr>
+        <a:xfrm>
+          <a:off x="0" y="0"/>
+          <a:ext cx="0" cy="0"/>
+          <a:chOff x="0" y="0"/>
+          <a:chExt cx="0" cy="0"/>
+        </a:xfrm>
+      </p:grpSpPr>
+      <p:sp>
+        <p:nvSpPr>
+          <p:cNvPr id="2" name="Title 1">
+            <a:extLst>
+              <a:ext uri="{FF2B5EF4-FFF2-40B4-BE49-F238E27FC236}">
+                <a16:creationId xmlns:a16="http://schemas.microsoft.com/office/drawing/2014/main" id="{69D06D70-793C-476B-8C4E-7D513BE94F27}"/>
+              </a:ext>
+            </a:extLst>
+          </p:cNvPr>
+          <p:cNvSpPr>
+            <a:spLocks noGrp="1"/>
+          </p:cNvSpPr>
+          <p:nvPr>
+            <p:ph type="title"/>
+          </p:nvPr>
+        </p:nvSpPr>
+        <p:spPr>
+          <a:xfrm>
+            <a:off x="429827" y="204188"/>
+            <a:ext cx="10515600" cy="726828"/>
+          </a:xfrm>
+        </p:spPr>
+        <p:txBody>
+          <a:bodyPr>
+            <a:normAutofit fontScale="90000"/>
+          </a:bodyPr>
+          <a:lstStyle/>
+          <a:p>
+            <a:r>
+              <a:rPr lang="en-US" dirty="0"/>
+              <a:t>Confident gene example from both </a:t>
+            </a:r>
+            <a:r>
+              <a:rPr lang="en-US" dirty="0" err="1"/>
+              <a:t>txGLMM</a:t>
+            </a:r>
+            <a:r>
+              <a:rPr lang="en-US" dirty="0"/>
+              <a:t> and histone GLMM (YDL216C)</a:t>
+            </a:r>
+          </a:p>
+        </p:txBody>
+      </p:sp>
+      <p:pic>
+        <p:nvPicPr>
+          <p:cNvPr id="3" name="Picture 2">
+            <a:extLst>
+              <a:ext uri="{FF2B5EF4-FFF2-40B4-BE49-F238E27FC236}">
+                <a16:creationId xmlns:a16="http://schemas.microsoft.com/office/drawing/2014/main" id="{8E3490F9-A53B-45F3-9D3B-33355463C214}"/>
+              </a:ext>
+            </a:extLst>
+          </p:cNvPr>
+          <p:cNvPicPr>
+            <a:picLocks noChangeAspect="1"/>
+          </p:cNvPicPr>
+          <p:nvPr/>
+        </p:nvPicPr>
+        <p:blipFill>
+          <a:blip r:embed="rId2"/>
+          <a:stretch>
+            <a:fillRect/>
+          </a:stretch>
+        </p:blipFill>
+        <p:spPr>
+          <a:xfrm>
+            <a:off x="3358871" y="1213301"/>
+            <a:ext cx="5474258" cy="5564799"/>
+          </a:xfrm>
+          <a:prstGeom prst="rect">
+            <a:avLst/>
+          </a:prstGeom>
+        </p:spPr>
+      </p:pic>
+    </p:spTree>
+    <p:extLst>
+      <p:ext uri="{BB962C8B-B14F-4D97-AF65-F5344CB8AC3E}">
+        <p14:creationId xmlns:p14="http://schemas.microsoft.com/office/powerpoint/2010/main" val="2358175761"/>
       </p:ext>
     </p:extLst>
   </p:cSld>
@@ -7731,15 +8054,7 @@
           <a:p>
             <a:r>
               <a:rPr lang="en-US" dirty="0"/>
-              <a:t>Is there </a:t>
-            </a:r>
-            <a:r>
-              <a:rPr lang="en-US" dirty="0" err="1"/>
-              <a:t>statistal</a:t>
-            </a:r>
-            <a:r>
-              <a:rPr lang="en-US" dirty="0"/>
-              <a:t>/modeling evidence of a “lag” in H3K36me3 decrease in </a:t>
+              <a:t>Is there statistical/modeling evidence of a “lag” in H3K36me3 decrease in </a:t>
             </a:r>
             <a:r>
               <a:rPr lang="en-US" i="1" dirty="0"/>

--- a/slides/greg_austin_modeling_data_050919.pptx
+++ b/slides/greg_austin_modeling_data_050919.pptx
@@ -14,27 +14,29 @@
     <p:sldId id="261" r:id="rId8"/>
     <p:sldId id="263" r:id="rId9"/>
     <p:sldId id="264" r:id="rId10"/>
-    <p:sldId id="265" r:id="rId11"/>
-    <p:sldId id="267" r:id="rId12"/>
-    <p:sldId id="268" r:id="rId13"/>
-    <p:sldId id="269" r:id="rId14"/>
-    <p:sldId id="271" r:id="rId15"/>
-    <p:sldId id="272" r:id="rId16"/>
-    <p:sldId id="273" r:id="rId17"/>
-    <p:sldId id="274" r:id="rId18"/>
-    <p:sldId id="275" r:id="rId19"/>
-    <p:sldId id="276" r:id="rId20"/>
-    <p:sldId id="278" r:id="rId21"/>
-    <p:sldId id="277" r:id="rId22"/>
-    <p:sldId id="279" r:id="rId23"/>
-    <p:sldId id="282" r:id="rId24"/>
-    <p:sldId id="280" r:id="rId25"/>
-    <p:sldId id="283" r:id="rId26"/>
-    <p:sldId id="281" r:id="rId27"/>
-    <p:sldId id="284" r:id="rId28"/>
-    <p:sldId id="285" r:id="rId29"/>
-    <p:sldId id="286" r:id="rId30"/>
-    <p:sldId id="287" r:id="rId31"/>
+    <p:sldId id="289" r:id="rId11"/>
+    <p:sldId id="265" r:id="rId12"/>
+    <p:sldId id="267" r:id="rId13"/>
+    <p:sldId id="268" r:id="rId14"/>
+    <p:sldId id="269" r:id="rId15"/>
+    <p:sldId id="271" r:id="rId16"/>
+    <p:sldId id="272" r:id="rId17"/>
+    <p:sldId id="273" r:id="rId18"/>
+    <p:sldId id="274" r:id="rId19"/>
+    <p:sldId id="275" r:id="rId20"/>
+    <p:sldId id="276" r:id="rId21"/>
+    <p:sldId id="278" r:id="rId22"/>
+    <p:sldId id="277" r:id="rId23"/>
+    <p:sldId id="279" r:id="rId24"/>
+    <p:sldId id="282" r:id="rId25"/>
+    <p:sldId id="280" r:id="rId26"/>
+    <p:sldId id="283" r:id="rId27"/>
+    <p:sldId id="281" r:id="rId28"/>
+    <p:sldId id="284" r:id="rId29"/>
+    <p:sldId id="285" r:id="rId30"/>
+    <p:sldId id="286" r:id="rId31"/>
+    <p:sldId id="287" r:id="rId32"/>
+    <p:sldId id="290" r:id="rId33"/>
   </p:sldIdLst>
   <p:sldSz cx="12192000" cy="6858000"/>
   <p:notesSz cx="6858000" cy="9144000"/>
@@ -133,6 +135,11 @@
       </a:defRPr>
     </a:lvl9pPr>
   </p:defaultTextStyle>
+  <p:extLst>
+    <p:ext uri="{EFAFB233-063F-42B5-8137-9DF3F51BA10A}">
+      <p15:sldGuideLst xmlns:p15="http://schemas.microsoft.com/office/powerpoint/2012/main"/>
+    </p:ext>
+  </p:extLst>
 </p:presentation>
 </file>
 
@@ -283,7 +290,7 @@
           <a:p>
             <a:fld id="{A223904A-CEC3-4625-9553-02F1384004C5}" type="datetimeFigureOut">
               <a:rPr lang="en-US" smtClean="0"/>
-              <a:t>5/7/2019</a:t>
+              <a:t>5/8/19</a:t>
             </a:fld>
             <a:endParaRPr lang="en-US"/>
           </a:p>
@@ -481,7 +488,7 @@
           <a:p>
             <a:fld id="{A223904A-CEC3-4625-9553-02F1384004C5}" type="datetimeFigureOut">
               <a:rPr lang="en-US" smtClean="0"/>
-              <a:t>5/7/2019</a:t>
+              <a:t>5/8/19</a:t>
             </a:fld>
             <a:endParaRPr lang="en-US"/>
           </a:p>
@@ -689,7 +696,7 @@
           <a:p>
             <a:fld id="{A223904A-CEC3-4625-9553-02F1384004C5}" type="datetimeFigureOut">
               <a:rPr lang="en-US" smtClean="0"/>
-              <a:t>5/7/2019</a:t>
+              <a:t>5/8/19</a:t>
             </a:fld>
             <a:endParaRPr lang="en-US"/>
           </a:p>
@@ -887,7 +894,7 @@
           <a:p>
             <a:fld id="{A223904A-CEC3-4625-9553-02F1384004C5}" type="datetimeFigureOut">
               <a:rPr lang="en-US" smtClean="0"/>
-              <a:t>5/7/2019</a:t>
+              <a:t>5/8/19</a:t>
             </a:fld>
             <a:endParaRPr lang="en-US"/>
           </a:p>
@@ -1162,7 +1169,7 @@
           <a:p>
             <a:fld id="{A223904A-CEC3-4625-9553-02F1384004C5}" type="datetimeFigureOut">
               <a:rPr lang="en-US" smtClean="0"/>
-              <a:t>5/7/2019</a:t>
+              <a:t>5/8/19</a:t>
             </a:fld>
             <a:endParaRPr lang="en-US"/>
           </a:p>
@@ -1427,7 +1434,7 @@
           <a:p>
             <a:fld id="{A223904A-CEC3-4625-9553-02F1384004C5}" type="datetimeFigureOut">
               <a:rPr lang="en-US" smtClean="0"/>
-              <a:t>5/7/2019</a:t>
+              <a:t>5/8/19</a:t>
             </a:fld>
             <a:endParaRPr lang="en-US"/>
           </a:p>
@@ -1839,7 +1846,7 @@
           <a:p>
             <a:fld id="{A223904A-CEC3-4625-9553-02F1384004C5}" type="datetimeFigureOut">
               <a:rPr lang="en-US" smtClean="0"/>
-              <a:t>5/7/2019</a:t>
+              <a:t>5/8/19</a:t>
             </a:fld>
             <a:endParaRPr lang="en-US"/>
           </a:p>
@@ -1980,7 +1987,7 @@
           <a:p>
             <a:fld id="{A223904A-CEC3-4625-9553-02F1384004C5}" type="datetimeFigureOut">
               <a:rPr lang="en-US" smtClean="0"/>
-              <a:t>5/7/2019</a:t>
+              <a:t>5/8/19</a:t>
             </a:fld>
             <a:endParaRPr lang="en-US"/>
           </a:p>
@@ -2093,7 +2100,7 @@
           <a:p>
             <a:fld id="{A223904A-CEC3-4625-9553-02F1384004C5}" type="datetimeFigureOut">
               <a:rPr lang="en-US" smtClean="0"/>
-              <a:t>5/7/2019</a:t>
+              <a:t>5/8/19</a:t>
             </a:fld>
             <a:endParaRPr lang="en-US"/>
           </a:p>
@@ -2404,7 +2411,7 @@
           <a:p>
             <a:fld id="{A223904A-CEC3-4625-9553-02F1384004C5}" type="datetimeFigureOut">
               <a:rPr lang="en-US" smtClean="0"/>
-              <a:t>5/7/2019</a:t>
+              <a:t>5/8/19</a:t>
             </a:fld>
             <a:endParaRPr lang="en-US"/>
           </a:p>
@@ -2692,7 +2699,7 @@
           <a:p>
             <a:fld id="{A223904A-CEC3-4625-9553-02F1384004C5}" type="datetimeFigureOut">
               <a:rPr lang="en-US" smtClean="0"/>
-              <a:t>5/7/2019</a:t>
+              <a:t>5/8/19</a:t>
             </a:fld>
             <a:endParaRPr lang="en-US"/>
           </a:p>
@@ -2933,7 +2940,7 @@
           <a:p>
             <a:fld id="{A223904A-CEC3-4625-9553-02F1384004C5}" type="datetimeFigureOut">
               <a:rPr lang="en-US" smtClean="0"/>
-              <a:t>5/7/2019</a:t>
+              <a:t>5/8/19</a:t>
             </a:fld>
             <a:endParaRPr lang="en-US"/>
           </a:p>
@@ -3477,12 +3484,47 @@
           </a:p>
         </p:txBody>
       </p:sp>
+      <p:sp>
+        <p:nvSpPr>
+          <p:cNvPr id="5" name="Content Placeholder 2">
+            <a:extLst>
+              <a:ext uri="{FF2B5EF4-FFF2-40B4-BE49-F238E27FC236}">
+                <a16:creationId xmlns:a16="http://schemas.microsoft.com/office/drawing/2014/main" id="{ECA3B7BC-A8BD-4752-B92E-5F819B20E703}"/>
+              </a:ext>
+            </a:extLst>
+          </p:cNvPr>
+          <p:cNvSpPr>
+            <a:spLocks noGrp="1"/>
+          </p:cNvSpPr>
+          <p:nvPr>
+            <p:ph idx="1"/>
+          </p:nvPr>
+        </p:nvSpPr>
+        <p:spPr>
+          <a:xfrm>
+            <a:off x="784933" y="735258"/>
+            <a:ext cx="7121937" cy="571347"/>
+          </a:xfrm>
+        </p:spPr>
+        <p:txBody>
+          <a:bodyPr>
+            <a:normAutofit/>
+          </a:bodyPr>
+          <a:lstStyle/>
+          <a:p>
+            <a:r>
+              <a:rPr lang="en-US" dirty="0"/>
+              <a:t>Jointly model, and thus compare WEL and WL</a:t>
+            </a:r>
+          </a:p>
+        </p:txBody>
+      </p:sp>
       <p:pic>
         <p:nvPicPr>
-          <p:cNvPr id="4" name="Picture 3">
-            <a:extLst>
-              <a:ext uri="{FF2B5EF4-FFF2-40B4-BE49-F238E27FC236}">
-                <a16:creationId xmlns:a16="http://schemas.microsoft.com/office/drawing/2014/main" id="{7E9E9A2F-81D7-4AA3-ACE9-E6456B2EB1FC}"/>
+          <p:cNvPr id="9" name="Picture 8">
+            <a:extLst>
+              <a:ext uri="{FF2B5EF4-FFF2-40B4-BE49-F238E27FC236}">
+                <a16:creationId xmlns:a16="http://schemas.microsoft.com/office/drawing/2014/main" id="{DD12BFBC-83DA-784C-ABE4-E57763506480}"/>
               </a:ext>
             </a:extLst>
           </p:cNvPr>
@@ -3491,16 +3533,15 @@
           </p:cNvPicPr>
           <p:nvPr/>
         </p:nvPicPr>
-        <p:blipFill>
+        <p:blipFill rotWithShape="1">
           <a:blip r:embed="rId2"/>
-          <a:stretch>
-            <a:fillRect/>
-          </a:stretch>
+          <a:srcRect r="33085"/>
+          <a:stretch/>
         </p:blipFill>
         <p:spPr>
           <a:xfrm>
-            <a:off x="681928" y="1699493"/>
-            <a:ext cx="4961310" cy="4936565"/>
+            <a:off x="2875595" y="2735525"/>
+            <a:ext cx="6171520" cy="4007775"/>
           </a:xfrm>
           <a:prstGeom prst="rect">
             <a:avLst/>
@@ -3509,135 +3550,162 @@
       </p:pic>
       <p:sp>
         <p:nvSpPr>
-          <p:cNvPr id="5" name="Content Placeholder 2">
-            <a:extLst>
-              <a:ext uri="{FF2B5EF4-FFF2-40B4-BE49-F238E27FC236}">
-                <a16:creationId xmlns:a16="http://schemas.microsoft.com/office/drawing/2014/main" id="{ECA3B7BC-A8BD-4752-B92E-5F819B20E703}"/>
-              </a:ext>
-            </a:extLst>
-          </p:cNvPr>
-          <p:cNvSpPr>
-            <a:spLocks noGrp="1"/>
-          </p:cNvSpPr>
-          <p:nvPr>
-            <p:ph idx="1"/>
-          </p:nvPr>
-        </p:nvSpPr>
-        <p:spPr>
-          <a:xfrm>
-            <a:off x="784934" y="735258"/>
-            <a:ext cx="4586056" cy="571347"/>
-          </a:xfrm>
-        </p:spPr>
-        <p:txBody>
-          <a:bodyPr>
-            <a:normAutofit/>
-          </a:bodyPr>
-          <a:lstStyle/>
-          <a:p>
-            <a:r>
-              <a:rPr lang="en-US" dirty="0"/>
-              <a:t>Modeled WL directly to WEL</a:t>
-            </a:r>
-          </a:p>
-        </p:txBody>
-      </p:sp>
-      <p:pic>
-        <p:nvPicPr>
-          <p:cNvPr id="6" name="Picture 5">
-            <a:extLst>
-              <a:ext uri="{FF2B5EF4-FFF2-40B4-BE49-F238E27FC236}">
-                <a16:creationId xmlns:a16="http://schemas.microsoft.com/office/drawing/2014/main" id="{8013FC15-598F-4B1C-9D55-9675C6DBE17E}"/>
-              </a:ext>
-            </a:extLst>
-          </p:cNvPr>
-          <p:cNvPicPr>
-            <a:picLocks noChangeAspect="1"/>
-          </p:cNvPicPr>
+          <p:cNvPr id="3" name="Rectangle 2">
+            <a:extLst>
+              <a:ext uri="{FF2B5EF4-FFF2-40B4-BE49-F238E27FC236}">
+                <a16:creationId xmlns:a16="http://schemas.microsoft.com/office/drawing/2014/main" id="{D04BDCFC-EA59-0246-9C59-9E898E41DED1}"/>
+              </a:ext>
+            </a:extLst>
+          </p:cNvPr>
+          <p:cNvSpPr/>
           <p:nvPr/>
-        </p:nvPicPr>
-        <p:blipFill>
-          <a:blip r:embed="rId3"/>
-          <a:stretch>
-            <a:fillRect/>
-          </a:stretch>
-        </p:blipFill>
-        <p:spPr>
-          <a:xfrm>
-            <a:off x="6410984" y="1717247"/>
-            <a:ext cx="4961311" cy="4936505"/>
+        </p:nvSpPr>
+        <p:spPr>
+          <a:xfrm>
+            <a:off x="1027011" y="1306605"/>
+            <a:ext cx="9147929" cy="646331"/>
           </a:xfrm>
           <a:prstGeom prst="rect">
             <a:avLst/>
           </a:prstGeom>
         </p:spPr>
-      </p:pic>
-      <p:sp>
-        <p:nvSpPr>
-          <p:cNvPr id="7" name="TextBox 6">
-            <a:extLst>
-              <a:ext uri="{FF2B5EF4-FFF2-40B4-BE49-F238E27FC236}">
-                <a16:creationId xmlns:a16="http://schemas.microsoft.com/office/drawing/2014/main" id="{FF0A3581-1178-42E3-BCC7-D48BD28B5F07}"/>
-              </a:ext>
-            </a:extLst>
-          </p:cNvPr>
-          <p:cNvSpPr txBox="1"/>
-          <p:nvPr/>
-        </p:nvSpPr>
-        <p:spPr>
-          <a:xfrm>
-            <a:off x="2749259" y="1386858"/>
-            <a:ext cx="1041505" cy="369332"/>
-          </a:xfrm>
-          <a:prstGeom prst="rect">
-            <a:avLst/>
-          </a:prstGeom>
-          <a:noFill/>
-        </p:spPr>
-        <p:txBody>
-          <a:bodyPr wrap="square" rtlCol="0">
+        <p:txBody>
+          <a:bodyPr wrap="square">
             <a:spAutoFit/>
           </a:bodyPr>
           <a:lstStyle/>
           <a:p>
+            <a:pPr lvl="1"/>
             <a:r>
               <a:rPr lang="en-US" dirty="0"/>
-              <a:t>All genes</a:t>
-            </a:r>
-          </a:p>
-        </p:txBody>
-      </p:sp>
-      <p:sp>
-        <p:nvSpPr>
-          <p:cNvPr id="8" name="TextBox 7">
-            <a:extLst>
-              <a:ext uri="{FF2B5EF4-FFF2-40B4-BE49-F238E27FC236}">
-                <a16:creationId xmlns:a16="http://schemas.microsoft.com/office/drawing/2014/main" id="{2CA93536-C3EC-45CA-8F8A-707B68EF8FE4}"/>
-              </a:ext>
-            </a:extLst>
-          </p:cNvPr>
-          <p:cNvSpPr txBox="1"/>
-          <p:nvPr/>
-        </p:nvSpPr>
-        <p:spPr>
-          <a:xfrm>
-            <a:off x="7819887" y="1390279"/>
-            <a:ext cx="2318411" cy="369332"/>
-          </a:xfrm>
-          <a:prstGeom prst="rect">
-            <a:avLst/>
-          </a:prstGeom>
-          <a:noFill/>
-        </p:spPr>
-        <p:txBody>
-          <a:bodyPr wrap="square" rtlCol="0">
-            <a:spAutoFit/>
-          </a:bodyPr>
-          <a:lstStyle/>
-          <a:p>
+              <a:t>E[g(y)] = intercept + β</a:t>
+            </a:r>
+            <a:r>
+              <a:rPr lang="en-US" baseline="-25000" dirty="0"/>
+              <a:t>time1</a:t>
+            </a:r>
             <a:r>
               <a:rPr lang="en-US" dirty="0"/>
-              <a:t>High confidence genes</a:t>
+              <a:t>X</a:t>
+            </a:r>
+            <a:r>
+              <a:rPr lang="en-US" baseline="-25000" dirty="0"/>
+              <a:t>time1</a:t>
+            </a:r>
+            <a:r>
+              <a:rPr lang="en-US" dirty="0"/>
+              <a:t> + β</a:t>
+            </a:r>
+            <a:r>
+              <a:rPr lang="en-US" baseline="-25000" dirty="0"/>
+              <a:t>time2</a:t>
+            </a:r>
+            <a:r>
+              <a:rPr lang="en-US" dirty="0"/>
+              <a:t>X</a:t>
+            </a:r>
+            <a:r>
+              <a:rPr lang="en-US" baseline="-25000" dirty="0"/>
+              <a:t>time2</a:t>
+            </a:r>
+            <a:r>
+              <a:rPr lang="en-US" dirty="0"/>
+              <a:t> + β</a:t>
+            </a:r>
+            <a:r>
+              <a:rPr lang="en-US" baseline="-25000" dirty="0"/>
+              <a:t>time3</a:t>
+            </a:r>
+            <a:r>
+              <a:rPr lang="en-US" dirty="0"/>
+              <a:t>X</a:t>
+            </a:r>
+            <a:r>
+              <a:rPr lang="en-US" baseline="-25000" dirty="0"/>
+              <a:t>time3 </a:t>
+            </a:r>
+            <a:r>
+              <a:rPr lang="en-US" dirty="0"/>
+              <a:t>+</a:t>
+            </a:r>
+          </a:p>
+          <a:p>
+            <a:pPr lvl="1"/>
+            <a:r>
+              <a:rPr lang="en-US" dirty="0"/>
+              <a:t>		 </a:t>
+            </a:r>
+            <a:r>
+              <a:rPr lang="en-US" dirty="0" err="1"/>
+              <a:t>intercept</a:t>
+            </a:r>
+            <a:r>
+              <a:rPr lang="en-US" baseline="-25000" dirty="0" err="1"/>
+              <a:t>WEL</a:t>
+            </a:r>
+            <a:r>
+              <a:rPr lang="en-US" baseline="-25000" dirty="0"/>
+              <a:t> </a:t>
+            </a:r>
+            <a:r>
+              <a:rPr lang="en-US" dirty="0"/>
+              <a:t>+ β</a:t>
+            </a:r>
+            <a:r>
+              <a:rPr lang="en-US" baseline="-25000" dirty="0"/>
+              <a:t>time1 x WEL</a:t>
+            </a:r>
+            <a:r>
+              <a:rPr lang="en-US" dirty="0"/>
+              <a:t>X</a:t>
+            </a:r>
+            <a:r>
+              <a:rPr lang="en-US" baseline="-25000" dirty="0"/>
+              <a:t>time1</a:t>
+            </a:r>
+            <a:r>
+              <a:rPr lang="en-US" dirty="0"/>
+              <a:t> + β</a:t>
+            </a:r>
+            <a:r>
+              <a:rPr lang="en-US" baseline="-25000" dirty="0"/>
+              <a:t>time2 x WEL</a:t>
+            </a:r>
+            <a:r>
+              <a:rPr lang="en-US" dirty="0"/>
+              <a:t>X</a:t>
+            </a:r>
+            <a:r>
+              <a:rPr lang="en-US" baseline="-25000" dirty="0"/>
+              <a:t>time2</a:t>
+            </a:r>
+            <a:r>
+              <a:rPr lang="en-US" dirty="0"/>
+              <a:t> + β</a:t>
+            </a:r>
+            <a:r>
+              <a:rPr lang="en-US" baseline="-25000" dirty="0"/>
+              <a:t>time3 x WEL</a:t>
+            </a:r>
+            <a:r>
+              <a:rPr lang="en-US" dirty="0"/>
+              <a:t>X</a:t>
+            </a:r>
+            <a:r>
+              <a:rPr lang="en-US" baseline="-25000" dirty="0"/>
+              <a:t>time3</a:t>
+            </a:r>
+            <a:r>
+              <a:rPr lang="en-US" dirty="0"/>
+              <a:t> +</a:t>
+            </a:r>
+            <a:r>
+              <a:rPr lang="en-US" baseline="-25000" dirty="0"/>
+              <a:t> </a:t>
+            </a:r>
+            <a:r>
+              <a:rPr lang="en-US" dirty="0"/>
+              <a:t>e</a:t>
             </a:r>
           </a:p>
         </p:txBody>
@@ -3645,7 +3713,7 @@
     </p:spTree>
     <p:extLst>
       <p:ext uri="{BB962C8B-B14F-4D97-AF65-F5344CB8AC3E}">
-        <p14:creationId xmlns:p14="http://schemas.microsoft.com/office/powerpoint/2010/main" val="2990347615"/>
+        <p14:creationId xmlns:p14="http://schemas.microsoft.com/office/powerpoint/2010/main" val="3880685168"/>
       </p:ext>
     </p:extLst>
   </p:cSld>
@@ -3707,47 +3775,12 @@
           </a:p>
         </p:txBody>
       </p:sp>
-      <p:sp>
-        <p:nvSpPr>
-          <p:cNvPr id="5" name="Content Placeholder 2">
-            <a:extLst>
-              <a:ext uri="{FF2B5EF4-FFF2-40B4-BE49-F238E27FC236}">
-                <a16:creationId xmlns:a16="http://schemas.microsoft.com/office/drawing/2014/main" id="{ECA3B7BC-A8BD-4752-B92E-5F819B20E703}"/>
-              </a:ext>
-            </a:extLst>
-          </p:cNvPr>
-          <p:cNvSpPr>
-            <a:spLocks noGrp="1"/>
-          </p:cNvSpPr>
-          <p:nvPr>
-            <p:ph idx="1"/>
-          </p:nvPr>
-        </p:nvSpPr>
-        <p:spPr>
-          <a:xfrm>
-            <a:off x="784934" y="735258"/>
-            <a:ext cx="4586056" cy="571347"/>
-          </a:xfrm>
-        </p:spPr>
-        <p:txBody>
-          <a:bodyPr>
-            <a:normAutofit/>
-          </a:bodyPr>
-          <a:lstStyle/>
-          <a:p>
-            <a:r>
-              <a:rPr lang="en-US" dirty="0"/>
-              <a:t>Modeled WL directly to WEL</a:t>
-            </a:r>
-          </a:p>
-        </p:txBody>
-      </p:sp>
       <p:pic>
         <p:nvPicPr>
-          <p:cNvPr id="10" name="Picture 9">
-            <a:extLst>
-              <a:ext uri="{FF2B5EF4-FFF2-40B4-BE49-F238E27FC236}">
-                <a16:creationId xmlns:a16="http://schemas.microsoft.com/office/drawing/2014/main" id="{85E3CAE3-A6D5-4F69-AE1B-56AAC3C4DB59}"/>
+          <p:cNvPr id="4" name="Picture 3">
+            <a:extLst>
+              <a:ext uri="{FF2B5EF4-FFF2-40B4-BE49-F238E27FC236}">
+                <a16:creationId xmlns:a16="http://schemas.microsoft.com/office/drawing/2014/main" id="{7E9E9A2F-81D7-4AA3-ACE9-E6456B2EB1FC}"/>
               </a:ext>
             </a:extLst>
           </p:cNvPr>
@@ -3764,8 +3797,8 @@
         </p:blipFill>
         <p:spPr>
           <a:xfrm>
-            <a:off x="304800" y="1549454"/>
-            <a:ext cx="11302545" cy="4949889"/>
+            <a:off x="681928" y="1699493"/>
+            <a:ext cx="4961310" cy="4936565"/>
           </a:xfrm>
           <a:prstGeom prst="rect">
             <a:avLst/>
@@ -3774,10 +3807,75 @@
       </p:pic>
       <p:sp>
         <p:nvSpPr>
-          <p:cNvPr id="9" name="TextBox 8">
-            <a:extLst>
-              <a:ext uri="{FF2B5EF4-FFF2-40B4-BE49-F238E27FC236}">
-                <a16:creationId xmlns:a16="http://schemas.microsoft.com/office/drawing/2014/main" id="{BC3D3A8D-DC4A-42EB-AD72-B795E83E8D07}"/>
+          <p:cNvPr id="5" name="Content Placeholder 2">
+            <a:extLst>
+              <a:ext uri="{FF2B5EF4-FFF2-40B4-BE49-F238E27FC236}">
+                <a16:creationId xmlns:a16="http://schemas.microsoft.com/office/drawing/2014/main" id="{ECA3B7BC-A8BD-4752-B92E-5F819B20E703}"/>
+              </a:ext>
+            </a:extLst>
+          </p:cNvPr>
+          <p:cNvSpPr>
+            <a:spLocks noGrp="1"/>
+          </p:cNvSpPr>
+          <p:nvPr>
+            <p:ph idx="1"/>
+          </p:nvPr>
+        </p:nvSpPr>
+        <p:spPr>
+          <a:xfrm>
+            <a:off x="784934" y="735258"/>
+            <a:ext cx="4586056" cy="571347"/>
+          </a:xfrm>
+        </p:spPr>
+        <p:txBody>
+          <a:bodyPr>
+            <a:normAutofit/>
+          </a:bodyPr>
+          <a:lstStyle/>
+          <a:p>
+            <a:r>
+              <a:rPr lang="en-US" dirty="0"/>
+              <a:t>Modeled WL directly to WEL</a:t>
+            </a:r>
+          </a:p>
+        </p:txBody>
+      </p:sp>
+      <p:pic>
+        <p:nvPicPr>
+          <p:cNvPr id="6" name="Picture 5">
+            <a:extLst>
+              <a:ext uri="{FF2B5EF4-FFF2-40B4-BE49-F238E27FC236}">
+                <a16:creationId xmlns:a16="http://schemas.microsoft.com/office/drawing/2014/main" id="{8013FC15-598F-4B1C-9D55-9675C6DBE17E}"/>
+              </a:ext>
+            </a:extLst>
+          </p:cNvPr>
+          <p:cNvPicPr>
+            <a:picLocks noChangeAspect="1"/>
+          </p:cNvPicPr>
+          <p:nvPr/>
+        </p:nvPicPr>
+        <p:blipFill>
+          <a:blip r:embed="rId3"/>
+          <a:stretch>
+            <a:fillRect/>
+          </a:stretch>
+        </p:blipFill>
+        <p:spPr>
+          <a:xfrm>
+            <a:off x="6410984" y="1717247"/>
+            <a:ext cx="4961311" cy="4936505"/>
+          </a:xfrm>
+          <a:prstGeom prst="rect">
+            <a:avLst/>
+          </a:prstGeom>
+        </p:spPr>
+      </p:pic>
+      <p:sp>
+        <p:nvSpPr>
+          <p:cNvPr id="7" name="TextBox 6">
+            <a:extLst>
+              <a:ext uri="{FF2B5EF4-FFF2-40B4-BE49-F238E27FC236}">
+                <a16:creationId xmlns:a16="http://schemas.microsoft.com/office/drawing/2014/main" id="{FF0A3581-1178-42E3-BCC7-D48BD28B5F07}"/>
               </a:ext>
             </a:extLst>
           </p:cNvPr>
@@ -3786,8 +3884,8 @@
         </p:nvSpPr>
         <p:spPr>
           <a:xfrm>
-            <a:off x="8957569" y="5308546"/>
-            <a:ext cx="3234431" cy="923330"/>
+            <a:off x="2749259" y="1386858"/>
+            <a:ext cx="1041505" cy="369332"/>
           </a:xfrm>
           <a:prstGeom prst="rect">
             <a:avLst/>
@@ -3801,8 +3899,43 @@
           <a:lstStyle/>
           <a:p>
             <a:r>
-              <a:rPr lang="en-US" i="1" dirty="0"/>
-              <a:t>* Significantly lagged genes tend to be “noisier” in regards to following the standard trend</a:t>
+              <a:rPr lang="en-US" dirty="0"/>
+              <a:t>All genes</a:t>
+            </a:r>
+          </a:p>
+        </p:txBody>
+      </p:sp>
+      <p:sp>
+        <p:nvSpPr>
+          <p:cNvPr id="8" name="TextBox 7">
+            <a:extLst>
+              <a:ext uri="{FF2B5EF4-FFF2-40B4-BE49-F238E27FC236}">
+                <a16:creationId xmlns:a16="http://schemas.microsoft.com/office/drawing/2014/main" id="{2CA93536-C3EC-45CA-8F8A-707B68EF8FE4}"/>
+              </a:ext>
+            </a:extLst>
+          </p:cNvPr>
+          <p:cNvSpPr txBox="1"/>
+          <p:nvPr/>
+        </p:nvSpPr>
+        <p:spPr>
+          <a:xfrm>
+            <a:off x="7819887" y="1390279"/>
+            <a:ext cx="2318411" cy="369332"/>
+          </a:xfrm>
+          <a:prstGeom prst="rect">
+            <a:avLst/>
+          </a:prstGeom>
+          <a:noFill/>
+        </p:spPr>
+        <p:txBody>
+          <a:bodyPr wrap="square" rtlCol="0">
+            <a:spAutoFit/>
+          </a:bodyPr>
+          <a:lstStyle/>
+          <a:p>
+            <a:r>
+              <a:rPr lang="en-US" dirty="0"/>
+              <a:t>High confidence genes</a:t>
             </a:r>
           </a:p>
         </p:txBody>
@@ -3810,7 +3943,7 @@
     </p:spTree>
     <p:extLst>
       <p:ext uri="{BB962C8B-B14F-4D97-AF65-F5344CB8AC3E}">
-        <p14:creationId xmlns:p14="http://schemas.microsoft.com/office/powerpoint/2010/main" val="3680912693"/>
+        <p14:creationId xmlns:p14="http://schemas.microsoft.com/office/powerpoint/2010/main" val="2990347615"/>
       </p:ext>
     </p:extLst>
   </p:cSld>
@@ -3855,6 +3988,210 @@
         </p:nvSpPr>
         <p:spPr>
           <a:xfrm>
+            <a:off x="195309" y="0"/>
+            <a:ext cx="11532093" cy="1020932"/>
+          </a:xfrm>
+        </p:spPr>
+        <p:txBody>
+          <a:bodyPr>
+            <a:normAutofit/>
+          </a:bodyPr>
+          <a:lstStyle/>
+          <a:p>
+            <a:r>
+              <a:rPr lang="en-US" sz="4000" dirty="0"/>
+              <a:t>Do we see evidence of a “lag” in WEL compared to WL?</a:t>
+            </a:r>
+          </a:p>
+        </p:txBody>
+      </p:sp>
+      <p:sp>
+        <p:nvSpPr>
+          <p:cNvPr id="5" name="Content Placeholder 2">
+            <a:extLst>
+              <a:ext uri="{FF2B5EF4-FFF2-40B4-BE49-F238E27FC236}">
+                <a16:creationId xmlns:a16="http://schemas.microsoft.com/office/drawing/2014/main" id="{ECA3B7BC-A8BD-4752-B92E-5F819B20E703}"/>
+              </a:ext>
+            </a:extLst>
+          </p:cNvPr>
+          <p:cNvSpPr>
+            <a:spLocks noGrp="1"/>
+          </p:cNvSpPr>
+          <p:nvPr>
+            <p:ph idx="1"/>
+          </p:nvPr>
+        </p:nvSpPr>
+        <p:spPr>
+          <a:xfrm>
+            <a:off x="784934" y="735258"/>
+            <a:ext cx="4586056" cy="571347"/>
+          </a:xfrm>
+        </p:spPr>
+        <p:txBody>
+          <a:bodyPr>
+            <a:normAutofit/>
+          </a:bodyPr>
+          <a:lstStyle/>
+          <a:p>
+            <a:r>
+              <a:rPr lang="en-US" dirty="0"/>
+              <a:t>Modeled WL directly to WEL</a:t>
+            </a:r>
+          </a:p>
+        </p:txBody>
+      </p:sp>
+      <p:pic>
+        <p:nvPicPr>
+          <p:cNvPr id="10" name="Picture 9">
+            <a:extLst>
+              <a:ext uri="{FF2B5EF4-FFF2-40B4-BE49-F238E27FC236}">
+                <a16:creationId xmlns:a16="http://schemas.microsoft.com/office/drawing/2014/main" id="{85E3CAE3-A6D5-4F69-AE1B-56AAC3C4DB59}"/>
+              </a:ext>
+            </a:extLst>
+          </p:cNvPr>
+          <p:cNvPicPr>
+            <a:picLocks noChangeAspect="1"/>
+          </p:cNvPicPr>
+          <p:nvPr/>
+        </p:nvPicPr>
+        <p:blipFill>
+          <a:blip r:embed="rId2"/>
+          <a:stretch>
+            <a:fillRect/>
+          </a:stretch>
+        </p:blipFill>
+        <p:spPr>
+          <a:xfrm>
+            <a:off x="304800" y="1549454"/>
+            <a:ext cx="11302545" cy="4949889"/>
+          </a:xfrm>
+          <a:prstGeom prst="rect">
+            <a:avLst/>
+          </a:prstGeom>
+        </p:spPr>
+      </p:pic>
+      <p:sp>
+        <p:nvSpPr>
+          <p:cNvPr id="9" name="TextBox 8">
+            <a:extLst>
+              <a:ext uri="{FF2B5EF4-FFF2-40B4-BE49-F238E27FC236}">
+                <a16:creationId xmlns:a16="http://schemas.microsoft.com/office/drawing/2014/main" id="{BC3D3A8D-DC4A-42EB-AD72-B795E83E8D07}"/>
+              </a:ext>
+            </a:extLst>
+          </p:cNvPr>
+          <p:cNvSpPr txBox="1"/>
+          <p:nvPr/>
+        </p:nvSpPr>
+        <p:spPr>
+          <a:xfrm>
+            <a:off x="8957569" y="5308546"/>
+            <a:ext cx="3234431" cy="1477328"/>
+          </a:xfrm>
+          <a:prstGeom prst="rect">
+            <a:avLst/>
+          </a:prstGeom>
+          <a:noFill/>
+        </p:spPr>
+        <p:txBody>
+          <a:bodyPr wrap="square" rtlCol="0">
+            <a:spAutoFit/>
+          </a:bodyPr>
+          <a:lstStyle/>
+          <a:p>
+            <a:pPr marL="285750" indent="-285750">
+              <a:buFont typeface="Arial" panose="020B0604020202020204" pitchFamily="34" charset="0"/>
+              <a:buChar char="•"/>
+            </a:pPr>
+            <a:r>
+              <a:rPr lang="en-US" i="1" dirty="0"/>
+              <a:t>Significantly lagged genes tend to be “noisier” in regards to following the standard trend.</a:t>
+            </a:r>
+          </a:p>
+          <a:p>
+            <a:pPr marL="285750" indent="-285750">
+              <a:buFont typeface="Arial" panose="020B0604020202020204" pitchFamily="34" charset="0"/>
+              <a:buChar char="•"/>
+            </a:pPr>
+            <a:r>
+              <a:rPr lang="en-US" i="1" dirty="0"/>
+              <a:t>Based on </a:t>
+            </a:r>
+            <a:r>
+              <a:rPr lang="en-US" i="1" dirty="0" err="1"/>
+              <a:t>CrI</a:t>
+            </a:r>
+            <a:r>
+              <a:rPr lang="en-US" i="1" dirty="0"/>
+              <a:t> for </a:t>
+            </a:r>
+            <a:r>
+              <a:rPr lang="en-US" dirty="0"/>
+              <a:t>β</a:t>
+            </a:r>
+            <a:r>
+              <a:rPr lang="en-US" baseline="-25000" dirty="0"/>
+              <a:t>time </a:t>
+            </a:r>
+            <a:r>
+              <a:rPr lang="en-US" baseline="-25000" dirty="0" err="1"/>
+              <a:t>i</a:t>
+            </a:r>
+            <a:r>
+              <a:rPr lang="en-US" baseline="-25000" dirty="0"/>
+              <a:t> x WEL</a:t>
+            </a:r>
+            <a:endParaRPr lang="en-US" i="1" dirty="0"/>
+          </a:p>
+        </p:txBody>
+      </p:sp>
+    </p:spTree>
+    <p:extLst>
+      <p:ext uri="{BB962C8B-B14F-4D97-AF65-F5344CB8AC3E}">
+        <p14:creationId xmlns:p14="http://schemas.microsoft.com/office/powerpoint/2010/main" val="3680912693"/>
+      </p:ext>
+    </p:extLst>
+  </p:cSld>
+  <p:clrMapOvr>
+    <a:masterClrMapping/>
+  </p:clrMapOvr>
+</p:sld>
+</file>
+
+<file path=ppt/slides/slide13.xml><?xml version="1.0" encoding="utf-8"?>
+<p:sld xmlns:a="http://schemas.openxmlformats.org/drawingml/2006/main" xmlns:r="http://schemas.openxmlformats.org/officeDocument/2006/relationships" xmlns:p="http://schemas.openxmlformats.org/presentationml/2006/main">
+  <p:cSld>
+    <p:spTree>
+      <p:nvGrpSpPr>
+        <p:cNvPr id="1" name=""/>
+        <p:cNvGrpSpPr/>
+        <p:nvPr/>
+      </p:nvGrpSpPr>
+      <p:grpSpPr>
+        <a:xfrm>
+          <a:off x="0" y="0"/>
+          <a:ext cx="0" cy="0"/>
+          <a:chOff x="0" y="0"/>
+          <a:chExt cx="0" cy="0"/>
+        </a:xfrm>
+      </p:grpSpPr>
+      <p:sp>
+        <p:nvSpPr>
+          <p:cNvPr id="2" name="Title 1">
+            <a:extLst>
+              <a:ext uri="{FF2B5EF4-FFF2-40B4-BE49-F238E27FC236}">
+                <a16:creationId xmlns:a16="http://schemas.microsoft.com/office/drawing/2014/main" id="{B2B23EEE-DFD9-4375-B9A2-4AAFC1314EEC}"/>
+              </a:ext>
+            </a:extLst>
+          </p:cNvPr>
+          <p:cNvSpPr>
+            <a:spLocks noGrp="1"/>
+          </p:cNvSpPr>
+          <p:nvPr>
+            <p:ph type="title"/>
+          </p:nvPr>
+        </p:nvSpPr>
+        <p:spPr>
+          <a:xfrm>
             <a:off x="150920" y="134487"/>
             <a:ext cx="11532093" cy="1020932"/>
           </a:xfrm>
@@ -3915,7 +4252,7 @@
 </p:sld>
 </file>
 
-<file path=ppt/slides/slide13.xml><?xml version="1.0" encoding="utf-8"?>
+<file path=ppt/slides/slide14.xml><?xml version="1.0" encoding="utf-8"?>
 <p:sld xmlns:a="http://schemas.openxmlformats.org/drawingml/2006/main" xmlns:r="http://schemas.openxmlformats.org/officeDocument/2006/relationships" xmlns:p="http://schemas.openxmlformats.org/presentationml/2006/main">
   <p:cSld>
     <p:spTree>
@@ -4154,108 +4491,6 @@
 </p:sld>
 </file>
 
-<file path=ppt/slides/slide14.xml><?xml version="1.0" encoding="utf-8"?>
-<p:sld xmlns:a="http://schemas.openxmlformats.org/drawingml/2006/main" xmlns:r="http://schemas.openxmlformats.org/officeDocument/2006/relationships" xmlns:p="http://schemas.openxmlformats.org/presentationml/2006/main">
-  <p:cSld>
-    <p:spTree>
-      <p:nvGrpSpPr>
-        <p:cNvPr id="1" name=""/>
-        <p:cNvGrpSpPr/>
-        <p:nvPr/>
-      </p:nvGrpSpPr>
-      <p:grpSpPr>
-        <a:xfrm>
-          <a:off x="0" y="0"/>
-          <a:ext cx="0" cy="0"/>
-          <a:chOff x="0" y="0"/>
-          <a:chExt cx="0" cy="0"/>
-        </a:xfrm>
-      </p:grpSpPr>
-      <p:sp>
-        <p:nvSpPr>
-          <p:cNvPr id="2" name="Title 1">
-            <a:extLst>
-              <a:ext uri="{FF2B5EF4-FFF2-40B4-BE49-F238E27FC236}">
-                <a16:creationId xmlns:a16="http://schemas.microsoft.com/office/drawing/2014/main" id="{B2B23EEE-DFD9-4375-B9A2-4AAFC1314EEC}"/>
-              </a:ext>
-            </a:extLst>
-          </p:cNvPr>
-          <p:cNvSpPr>
-            <a:spLocks noGrp="1"/>
-          </p:cNvSpPr>
-          <p:nvPr>
-            <p:ph type="title"/>
-          </p:nvPr>
-        </p:nvSpPr>
-        <p:spPr>
-          <a:xfrm>
-            <a:off x="150920" y="134487"/>
-            <a:ext cx="11532093" cy="620115"/>
-          </a:xfrm>
-        </p:spPr>
-        <p:txBody>
-          <a:bodyPr>
-            <a:noAutofit/>
-          </a:bodyPr>
-          <a:lstStyle/>
-          <a:p>
-            <a:r>
-              <a:rPr lang="en-US" sz="3200" dirty="0"/>
-              <a:t>Using the GLMM estimates, is there a relationship to gene length?</a:t>
-            </a:r>
-            <a:br>
-              <a:rPr lang="en-US" sz="3200" dirty="0"/>
-            </a:br>
-            <a:r>
-              <a:rPr lang="en-US" sz="3200" dirty="0"/>
-              <a:t>(All genes)</a:t>
-            </a:r>
-          </a:p>
-        </p:txBody>
-      </p:sp>
-      <p:pic>
-        <p:nvPicPr>
-          <p:cNvPr id="5" name="Picture 4">
-            <a:extLst>
-              <a:ext uri="{FF2B5EF4-FFF2-40B4-BE49-F238E27FC236}">
-                <a16:creationId xmlns:a16="http://schemas.microsoft.com/office/drawing/2014/main" id="{26F64EEC-3179-4F53-92F3-5939E182336D}"/>
-              </a:ext>
-            </a:extLst>
-          </p:cNvPr>
-          <p:cNvPicPr>
-            <a:picLocks noChangeAspect="1"/>
-          </p:cNvPicPr>
-          <p:nvPr/>
-        </p:nvPicPr>
-        <p:blipFill>
-          <a:blip r:embed="rId2"/>
-          <a:stretch>
-            <a:fillRect/>
-          </a:stretch>
-        </p:blipFill>
-        <p:spPr>
-          <a:xfrm>
-            <a:off x="1055054" y="1059643"/>
-            <a:ext cx="9723823" cy="5459942"/>
-          </a:xfrm>
-          <a:prstGeom prst="rect">
-            <a:avLst/>
-          </a:prstGeom>
-        </p:spPr>
-      </p:pic>
-    </p:spTree>
-    <p:extLst>
-      <p:ext uri="{BB962C8B-B14F-4D97-AF65-F5344CB8AC3E}">
-        <p14:creationId xmlns:p14="http://schemas.microsoft.com/office/powerpoint/2010/main" val="3267157958"/>
-      </p:ext>
-    </p:extLst>
-  </p:cSld>
-  <p:clrMapOvr>
-    <a:masterClrMapping/>
-  </p:clrMapOvr>
-</p:sld>
-</file>
-
 <file path=ppt/slides/slide15.xml><?xml version="1.0" encoding="utf-8"?>
 <p:sld xmlns:a="http://schemas.openxmlformats.org/drawingml/2006/main" xmlns:r="http://schemas.openxmlformats.org/officeDocument/2006/relationships" xmlns:p="http://schemas.openxmlformats.org/presentationml/2006/main">
   <p:cSld>
@@ -4310,17 +4545,17 @@
             </a:br>
             <a:r>
               <a:rPr lang="en-US" sz="3200" dirty="0"/>
-              <a:t>(High confidence genes)</a:t>
+              <a:t>(All genes)</a:t>
             </a:r>
           </a:p>
         </p:txBody>
       </p:sp>
       <p:pic>
         <p:nvPicPr>
-          <p:cNvPr id="3" name="Picture 2">
-            <a:extLst>
-              <a:ext uri="{FF2B5EF4-FFF2-40B4-BE49-F238E27FC236}">
-                <a16:creationId xmlns:a16="http://schemas.microsoft.com/office/drawing/2014/main" id="{43133628-7E12-45D1-88A3-6186D60A0156}"/>
+          <p:cNvPr id="5" name="Picture 4">
+            <a:extLst>
+              <a:ext uri="{FF2B5EF4-FFF2-40B4-BE49-F238E27FC236}">
+                <a16:creationId xmlns:a16="http://schemas.microsoft.com/office/drawing/2014/main" id="{26F64EEC-3179-4F53-92F3-5939E182336D}"/>
               </a:ext>
             </a:extLst>
           </p:cNvPr>
@@ -4337,8 +4572,8 @@
         </p:blipFill>
         <p:spPr>
           <a:xfrm>
-            <a:off x="1157865" y="1043607"/>
-            <a:ext cx="9876269" cy="5577748"/>
+            <a:off x="1055054" y="1059643"/>
+            <a:ext cx="9723823" cy="5459942"/>
           </a:xfrm>
           <a:prstGeom prst="rect">
             <a:avLst/>
@@ -4348,7 +4583,7 @@
     </p:spTree>
     <p:extLst>
       <p:ext uri="{BB962C8B-B14F-4D97-AF65-F5344CB8AC3E}">
-        <p14:creationId xmlns:p14="http://schemas.microsoft.com/office/powerpoint/2010/main" val="1040147798"/>
+        <p14:creationId xmlns:p14="http://schemas.microsoft.com/office/powerpoint/2010/main" val="3267157958"/>
       </p:ext>
     </p:extLst>
   </p:cSld>
@@ -4393,8 +4628,8 @@
         </p:nvSpPr>
         <p:spPr>
           <a:xfrm>
-            <a:off x="-35509" y="125609"/>
-            <a:ext cx="12263021" cy="620115"/>
+            <a:off x="150920" y="134487"/>
+            <a:ext cx="11532093" cy="620115"/>
           </a:xfrm>
         </p:spPr>
         <p:txBody>
@@ -4405,24 +4640,24 @@
           <a:p>
             <a:r>
               <a:rPr lang="en-US" sz="3200" dirty="0"/>
-              <a:t>Using the GLMM estimates, is there a relationship to initial histone levels?</a:t>
+              <a:t>Using the GLMM estimates, is there a relationship to gene length?</a:t>
             </a:r>
             <a:br>
               <a:rPr lang="en-US" sz="3200" dirty="0"/>
             </a:br>
             <a:r>
               <a:rPr lang="en-US" sz="3200" dirty="0"/>
-              <a:t>(All genes)</a:t>
+              <a:t>(High confidence genes)</a:t>
             </a:r>
           </a:p>
         </p:txBody>
       </p:sp>
       <p:pic>
         <p:nvPicPr>
-          <p:cNvPr id="4" name="Picture 3">
-            <a:extLst>
-              <a:ext uri="{FF2B5EF4-FFF2-40B4-BE49-F238E27FC236}">
-                <a16:creationId xmlns:a16="http://schemas.microsoft.com/office/drawing/2014/main" id="{1EF14F29-1BDF-4717-89D3-E11B904E9718}"/>
+          <p:cNvPr id="3" name="Picture 2">
+            <a:extLst>
+              <a:ext uri="{FF2B5EF4-FFF2-40B4-BE49-F238E27FC236}">
+                <a16:creationId xmlns:a16="http://schemas.microsoft.com/office/drawing/2014/main" id="{43133628-7E12-45D1-88A3-6186D60A0156}"/>
               </a:ext>
             </a:extLst>
           </p:cNvPr>
@@ -4439,8 +4674,8 @@
         </p:blipFill>
         <p:spPr>
           <a:xfrm>
-            <a:off x="1273275" y="1067205"/>
-            <a:ext cx="9645449" cy="5493948"/>
+            <a:off x="1157865" y="1043607"/>
+            <a:ext cx="9876269" cy="5577748"/>
           </a:xfrm>
           <a:prstGeom prst="rect">
             <a:avLst/>
@@ -4450,7 +4685,7 @@
     </p:spTree>
     <p:extLst>
       <p:ext uri="{BB962C8B-B14F-4D97-AF65-F5344CB8AC3E}">
-        <p14:creationId xmlns:p14="http://schemas.microsoft.com/office/powerpoint/2010/main" val="2071899077"/>
+        <p14:creationId xmlns:p14="http://schemas.microsoft.com/office/powerpoint/2010/main" val="1040147798"/>
       </p:ext>
     </p:extLst>
   </p:cSld>
@@ -4507,7 +4742,7 @@
           <a:p>
             <a:r>
               <a:rPr lang="en-US" sz="3200" dirty="0"/>
-              <a:t>Using the GLMM estimates, is there a relationship to transcription levels?</a:t>
+              <a:t>Using the GLMM estimates, is there a relationship to initial histone levels?</a:t>
             </a:r>
             <a:br>
               <a:rPr lang="en-US" sz="3200" dirty="0"/>
@@ -4521,10 +4756,10 @@
       </p:sp>
       <p:pic>
         <p:nvPicPr>
-          <p:cNvPr id="5" name="Picture 4">
-            <a:extLst>
-              <a:ext uri="{FF2B5EF4-FFF2-40B4-BE49-F238E27FC236}">
-                <a16:creationId xmlns:a16="http://schemas.microsoft.com/office/drawing/2014/main" id="{AB1C6EC6-E54A-47E7-85B5-77689A85A10D}"/>
+          <p:cNvPr id="4" name="Picture 3">
+            <a:extLst>
+              <a:ext uri="{FF2B5EF4-FFF2-40B4-BE49-F238E27FC236}">
+                <a16:creationId xmlns:a16="http://schemas.microsoft.com/office/drawing/2014/main" id="{1EF14F29-1BDF-4717-89D3-E11B904E9718}"/>
               </a:ext>
             </a:extLst>
           </p:cNvPr>
@@ -4541,8 +4776,8 @@
         </p:blipFill>
         <p:spPr>
           <a:xfrm>
-            <a:off x="963065" y="937805"/>
-            <a:ext cx="10265870" cy="5794586"/>
+            <a:off x="1273275" y="1067205"/>
+            <a:ext cx="9645449" cy="5493948"/>
           </a:xfrm>
           <a:prstGeom prst="rect">
             <a:avLst/>
@@ -4552,7 +4787,7 @@
     </p:spTree>
     <p:extLst>
       <p:ext uri="{BB962C8B-B14F-4D97-AF65-F5344CB8AC3E}">
-        <p14:creationId xmlns:p14="http://schemas.microsoft.com/office/powerpoint/2010/main" val="4243010626"/>
+        <p14:creationId xmlns:p14="http://schemas.microsoft.com/office/powerpoint/2010/main" val="2071899077"/>
       </p:ext>
     </p:extLst>
   </p:cSld>
@@ -4616,17 +4851,17 @@
             </a:br>
             <a:r>
               <a:rPr lang="en-US" sz="3200" dirty="0"/>
-              <a:t>(High confidence genes)</a:t>
+              <a:t>(All genes)</a:t>
             </a:r>
           </a:p>
         </p:txBody>
       </p:sp>
       <p:pic>
         <p:nvPicPr>
-          <p:cNvPr id="3" name="Picture 2">
-            <a:extLst>
-              <a:ext uri="{FF2B5EF4-FFF2-40B4-BE49-F238E27FC236}">
-                <a16:creationId xmlns:a16="http://schemas.microsoft.com/office/drawing/2014/main" id="{0D0659BD-6AA7-4161-8BCB-7BD3B0CB0F99}"/>
+          <p:cNvPr id="5" name="Picture 4">
+            <a:extLst>
+              <a:ext uri="{FF2B5EF4-FFF2-40B4-BE49-F238E27FC236}">
+                <a16:creationId xmlns:a16="http://schemas.microsoft.com/office/drawing/2014/main" id="{AB1C6EC6-E54A-47E7-85B5-77689A85A10D}"/>
               </a:ext>
             </a:extLst>
           </p:cNvPr>
@@ -4643,8 +4878,8 @@
         </p:blipFill>
         <p:spPr>
           <a:xfrm>
-            <a:off x="999909" y="961998"/>
-            <a:ext cx="10192181" cy="5770393"/>
+            <a:off x="963065" y="937805"/>
+            <a:ext cx="10265870" cy="5794586"/>
           </a:xfrm>
           <a:prstGeom prst="rect">
             <a:avLst/>
@@ -4654,7 +4889,7 @@
     </p:spTree>
     <p:extLst>
       <p:ext uri="{BB962C8B-B14F-4D97-AF65-F5344CB8AC3E}">
-        <p14:creationId xmlns:p14="http://schemas.microsoft.com/office/powerpoint/2010/main" val="1290700991"/>
+        <p14:creationId xmlns:p14="http://schemas.microsoft.com/office/powerpoint/2010/main" val="4243010626"/>
       </p:ext>
     </p:extLst>
   </p:cSld>
@@ -4699,7 +4934,7 @@
         </p:nvSpPr>
         <p:spPr>
           <a:xfrm>
-            <a:off x="-35509" y="143362"/>
+            <a:off x="-35509" y="125609"/>
             <a:ext cx="12263021" cy="620115"/>
           </a:xfrm>
         </p:spPr>
@@ -4711,17 +4946,24 @@
           <a:p>
             <a:r>
               <a:rPr lang="en-US" sz="3200" dirty="0"/>
-              <a:t>How correlated are GLMM estimates between the two (WA and WL) assays? Do genes tend to have similar gain/loss effects?</a:t>
+              <a:t>Using the GLMM estimates, is there a relationship to transcription levels?</a:t>
+            </a:r>
+            <a:br>
+              <a:rPr lang="en-US" sz="3200" dirty="0"/>
+            </a:br>
+            <a:r>
+              <a:rPr lang="en-US" sz="3200" dirty="0"/>
+              <a:t>(High confidence genes)</a:t>
             </a:r>
           </a:p>
         </p:txBody>
       </p:sp>
       <p:pic>
         <p:nvPicPr>
-          <p:cNvPr id="5" name="Picture 4">
-            <a:extLst>
-              <a:ext uri="{FF2B5EF4-FFF2-40B4-BE49-F238E27FC236}">
-                <a16:creationId xmlns:a16="http://schemas.microsoft.com/office/drawing/2014/main" id="{7D377B46-2EF8-4C9F-8A9B-CED3745DDBE4}"/>
+          <p:cNvPr id="3" name="Picture 2">
+            <a:extLst>
+              <a:ext uri="{FF2B5EF4-FFF2-40B4-BE49-F238E27FC236}">
+                <a16:creationId xmlns:a16="http://schemas.microsoft.com/office/drawing/2014/main" id="{0D0659BD-6AA7-4161-8BCB-7BD3B0CB0F99}"/>
               </a:ext>
             </a:extLst>
           </p:cNvPr>
@@ -4738,8 +4980,8 @@
         </p:blipFill>
         <p:spPr>
           <a:xfrm>
-            <a:off x="977399" y="1210467"/>
-            <a:ext cx="10237201" cy="5130778"/>
+            <a:off x="999909" y="961998"/>
+            <a:ext cx="10192181" cy="5770393"/>
           </a:xfrm>
           <a:prstGeom prst="rect">
             <a:avLst/>
@@ -4749,7 +4991,7 @@
     </p:spTree>
     <p:extLst>
       <p:ext uri="{BB962C8B-B14F-4D97-AF65-F5344CB8AC3E}">
-        <p14:creationId xmlns:p14="http://schemas.microsoft.com/office/powerpoint/2010/main" val="2592290229"/>
+        <p14:creationId xmlns:p14="http://schemas.microsoft.com/office/powerpoint/2010/main" val="1290700991"/>
       </p:ext>
     </p:extLst>
   </p:cSld>
@@ -5444,6 +5686,101 @@
 </file>
 
 <file path=ppt/slides/slide20.xml><?xml version="1.0" encoding="utf-8"?>
+<p:sld xmlns:a="http://schemas.openxmlformats.org/drawingml/2006/main" xmlns:r="http://schemas.openxmlformats.org/officeDocument/2006/relationships" xmlns:p="http://schemas.openxmlformats.org/presentationml/2006/main">
+  <p:cSld>
+    <p:spTree>
+      <p:nvGrpSpPr>
+        <p:cNvPr id="1" name=""/>
+        <p:cNvGrpSpPr/>
+        <p:nvPr/>
+      </p:nvGrpSpPr>
+      <p:grpSpPr>
+        <a:xfrm>
+          <a:off x="0" y="0"/>
+          <a:ext cx="0" cy="0"/>
+          <a:chOff x="0" y="0"/>
+          <a:chExt cx="0" cy="0"/>
+        </a:xfrm>
+      </p:grpSpPr>
+      <p:sp>
+        <p:nvSpPr>
+          <p:cNvPr id="2" name="Title 1">
+            <a:extLst>
+              <a:ext uri="{FF2B5EF4-FFF2-40B4-BE49-F238E27FC236}">
+                <a16:creationId xmlns:a16="http://schemas.microsoft.com/office/drawing/2014/main" id="{B2B23EEE-DFD9-4375-B9A2-4AAFC1314EEC}"/>
+              </a:ext>
+            </a:extLst>
+          </p:cNvPr>
+          <p:cNvSpPr>
+            <a:spLocks noGrp="1"/>
+          </p:cNvSpPr>
+          <p:nvPr>
+            <p:ph type="title"/>
+          </p:nvPr>
+        </p:nvSpPr>
+        <p:spPr>
+          <a:xfrm>
+            <a:off x="-35509" y="143362"/>
+            <a:ext cx="12263021" cy="620115"/>
+          </a:xfrm>
+        </p:spPr>
+        <p:txBody>
+          <a:bodyPr>
+            <a:noAutofit/>
+          </a:bodyPr>
+          <a:lstStyle/>
+          <a:p>
+            <a:r>
+              <a:rPr lang="en-US" sz="3200" dirty="0"/>
+              <a:t>How correlated are GLMM estimates between the two (WA and WL) assays? Do genes tend to have similar gain/loss effects?</a:t>
+            </a:r>
+          </a:p>
+        </p:txBody>
+      </p:sp>
+      <p:pic>
+        <p:nvPicPr>
+          <p:cNvPr id="5" name="Picture 4">
+            <a:extLst>
+              <a:ext uri="{FF2B5EF4-FFF2-40B4-BE49-F238E27FC236}">
+                <a16:creationId xmlns:a16="http://schemas.microsoft.com/office/drawing/2014/main" id="{7D377B46-2EF8-4C9F-8A9B-CED3745DDBE4}"/>
+              </a:ext>
+            </a:extLst>
+          </p:cNvPr>
+          <p:cNvPicPr>
+            <a:picLocks noChangeAspect="1"/>
+          </p:cNvPicPr>
+          <p:nvPr/>
+        </p:nvPicPr>
+        <p:blipFill>
+          <a:blip r:embed="rId2"/>
+          <a:stretch>
+            <a:fillRect/>
+          </a:stretch>
+        </p:blipFill>
+        <p:spPr>
+          <a:xfrm>
+            <a:off x="977399" y="1210467"/>
+            <a:ext cx="10237201" cy="5130778"/>
+          </a:xfrm>
+          <a:prstGeom prst="rect">
+            <a:avLst/>
+          </a:prstGeom>
+        </p:spPr>
+      </p:pic>
+    </p:spTree>
+    <p:extLst>
+      <p:ext uri="{BB962C8B-B14F-4D97-AF65-F5344CB8AC3E}">
+        <p14:creationId xmlns:p14="http://schemas.microsoft.com/office/powerpoint/2010/main" val="2592290229"/>
+      </p:ext>
+    </p:extLst>
+  </p:cSld>
+  <p:clrMapOvr>
+    <a:masterClrMapping/>
+  </p:clrMapOvr>
+</p:sld>
+</file>
+
+<file path=ppt/slides/slide21.xml><?xml version="1.0" encoding="utf-8"?>
 <p:sld xmlns:a="http://schemas.openxmlformats.org/drawingml/2006/main" xmlns:r="http://schemas.openxmlformats.org/officeDocument/2006/relationships" xmlns:p="http://schemas.openxmlformats.org/presentationml/2006/main" show="0">
   <p:cSld>
     <p:spTree>
@@ -5529,72 +5866,6 @@
     <p:extLst>
       <p:ext uri="{BB962C8B-B14F-4D97-AF65-F5344CB8AC3E}">
         <p14:creationId xmlns:p14="http://schemas.microsoft.com/office/powerpoint/2010/main" val="3734205966"/>
-      </p:ext>
-    </p:extLst>
-  </p:cSld>
-  <p:clrMapOvr>
-    <a:masterClrMapping/>
-  </p:clrMapOvr>
-</p:sld>
-</file>
-
-<file path=ppt/slides/slide21.xml><?xml version="1.0" encoding="utf-8"?>
-<p:sld xmlns:a="http://schemas.openxmlformats.org/drawingml/2006/main" xmlns:r="http://schemas.openxmlformats.org/officeDocument/2006/relationships" xmlns:p="http://schemas.openxmlformats.org/presentationml/2006/main">
-  <p:cSld>
-    <p:spTree>
-      <p:nvGrpSpPr>
-        <p:cNvPr id="1" name=""/>
-        <p:cNvGrpSpPr/>
-        <p:nvPr/>
-      </p:nvGrpSpPr>
-      <p:grpSpPr>
-        <a:xfrm>
-          <a:off x="0" y="0"/>
-          <a:ext cx="0" cy="0"/>
-          <a:chOff x="0" y="0"/>
-          <a:chExt cx="0" cy="0"/>
-        </a:xfrm>
-      </p:grpSpPr>
-      <p:sp>
-        <p:nvSpPr>
-          <p:cNvPr id="2" name="Title 1">
-            <a:extLst>
-              <a:ext uri="{FF2B5EF4-FFF2-40B4-BE49-F238E27FC236}">
-                <a16:creationId xmlns:a16="http://schemas.microsoft.com/office/drawing/2014/main" id="{B2B23EEE-DFD9-4375-B9A2-4AAFC1314EEC}"/>
-              </a:ext>
-            </a:extLst>
-          </p:cNvPr>
-          <p:cNvSpPr>
-            <a:spLocks noGrp="1"/>
-          </p:cNvSpPr>
-          <p:nvPr>
-            <p:ph type="title"/>
-          </p:nvPr>
-        </p:nvSpPr>
-        <p:spPr>
-          <a:xfrm>
-            <a:off x="0" y="2664620"/>
-            <a:ext cx="12263021" cy="620115"/>
-          </a:xfrm>
-        </p:spPr>
-        <p:txBody>
-          <a:bodyPr>
-            <a:noAutofit/>
-          </a:bodyPr>
-          <a:lstStyle/>
-          <a:p>
-            <a:pPr algn="ctr"/>
-            <a:r>
-              <a:rPr lang="en-US" sz="3200" dirty="0"/>
-              <a:t>We can color plots to visualize three variables at once to see further underlying patterns. Does this affect our previous interpretations?</a:t>
-            </a:r>
-          </a:p>
-        </p:txBody>
-      </p:sp>
-    </p:spTree>
-    <p:extLst>
-      <p:ext uri="{BB962C8B-B14F-4D97-AF65-F5344CB8AC3E}">
-        <p14:creationId xmlns:p14="http://schemas.microsoft.com/office/powerpoint/2010/main" val="2711988553"/>
       </p:ext>
     </p:extLst>
   </p:cSld>
@@ -5639,6 +5910,72 @@
         </p:nvSpPr>
         <p:spPr>
           <a:xfrm>
+            <a:off x="0" y="2664620"/>
+            <a:ext cx="12263021" cy="620115"/>
+          </a:xfrm>
+        </p:spPr>
+        <p:txBody>
+          <a:bodyPr>
+            <a:noAutofit/>
+          </a:bodyPr>
+          <a:lstStyle/>
+          <a:p>
+            <a:pPr algn="ctr"/>
+            <a:r>
+              <a:rPr lang="en-US" sz="3200" dirty="0"/>
+              <a:t>We can color plots to visualize three variables at once to see further underlying patterns. Does this affect our previous interpretations?</a:t>
+            </a:r>
+          </a:p>
+        </p:txBody>
+      </p:sp>
+    </p:spTree>
+    <p:extLst>
+      <p:ext uri="{BB962C8B-B14F-4D97-AF65-F5344CB8AC3E}">
+        <p14:creationId xmlns:p14="http://schemas.microsoft.com/office/powerpoint/2010/main" val="2711988553"/>
+      </p:ext>
+    </p:extLst>
+  </p:cSld>
+  <p:clrMapOvr>
+    <a:masterClrMapping/>
+  </p:clrMapOvr>
+</p:sld>
+</file>
+
+<file path=ppt/slides/slide23.xml><?xml version="1.0" encoding="utf-8"?>
+<p:sld xmlns:a="http://schemas.openxmlformats.org/drawingml/2006/main" xmlns:r="http://schemas.openxmlformats.org/officeDocument/2006/relationships" xmlns:p="http://schemas.openxmlformats.org/presentationml/2006/main">
+  <p:cSld>
+    <p:spTree>
+      <p:nvGrpSpPr>
+        <p:cNvPr id="1" name=""/>
+        <p:cNvGrpSpPr/>
+        <p:nvPr/>
+      </p:nvGrpSpPr>
+      <p:grpSpPr>
+        <a:xfrm>
+          <a:off x="0" y="0"/>
+          <a:ext cx="0" cy="0"/>
+          <a:chOff x="0" y="0"/>
+          <a:chExt cx="0" cy="0"/>
+        </a:xfrm>
+      </p:grpSpPr>
+      <p:sp>
+        <p:nvSpPr>
+          <p:cNvPr id="2" name="Title 1">
+            <a:extLst>
+              <a:ext uri="{FF2B5EF4-FFF2-40B4-BE49-F238E27FC236}">
+                <a16:creationId xmlns:a16="http://schemas.microsoft.com/office/drawing/2014/main" id="{B2B23EEE-DFD9-4375-B9A2-4AAFC1314EEC}"/>
+              </a:ext>
+            </a:extLst>
+          </p:cNvPr>
+          <p:cNvSpPr>
+            <a:spLocks noGrp="1"/>
+          </p:cNvSpPr>
+          <p:nvPr>
+            <p:ph type="title"/>
+          </p:nvPr>
+        </p:nvSpPr>
+        <p:spPr>
+          <a:xfrm>
             <a:off x="150920" y="134487"/>
             <a:ext cx="11532093" cy="620115"/>
           </a:xfrm>
@@ -5706,7 +6043,7 @@
 </p:sld>
 </file>
 
-<file path=ppt/slides/slide23.xml><?xml version="1.0" encoding="utf-8"?>
+<file path=ppt/slides/slide24.xml><?xml version="1.0" encoding="utf-8"?>
 <p:sld xmlns:a="http://schemas.openxmlformats.org/drawingml/2006/main" xmlns:r="http://schemas.openxmlformats.org/officeDocument/2006/relationships" xmlns:p="http://schemas.openxmlformats.org/presentationml/2006/main" show="0">
   <p:cSld>
     <p:spTree>
@@ -5808,7 +6145,7 @@
 </p:sld>
 </file>
 
-<file path=ppt/slides/slide24.xml><?xml version="1.0" encoding="utf-8"?>
+<file path=ppt/slides/slide25.xml><?xml version="1.0" encoding="utf-8"?>
 <p:sld xmlns:a="http://schemas.openxmlformats.org/drawingml/2006/main" xmlns:r="http://schemas.openxmlformats.org/officeDocument/2006/relationships" xmlns:p="http://schemas.openxmlformats.org/presentationml/2006/main">
   <p:cSld>
     <p:spTree>
@@ -6048,7 +6385,7 @@
 </p:sld>
 </file>
 
-<file path=ppt/slides/slide25.xml><?xml version="1.0" encoding="utf-8"?>
+<file path=ppt/slides/slide26.xml><?xml version="1.0" encoding="utf-8"?>
 <p:sld xmlns:a="http://schemas.openxmlformats.org/drawingml/2006/main" xmlns:r="http://schemas.openxmlformats.org/officeDocument/2006/relationships" xmlns:p="http://schemas.openxmlformats.org/presentationml/2006/main" show="0">
   <p:cSld>
     <p:spTree>
@@ -6171,108 +6508,6 @@
     <p:extLst>
       <p:ext uri="{BB962C8B-B14F-4D97-AF65-F5344CB8AC3E}">
         <p14:creationId xmlns:p14="http://schemas.microsoft.com/office/powerpoint/2010/main" val="3128985410"/>
-      </p:ext>
-    </p:extLst>
-  </p:cSld>
-  <p:clrMapOvr>
-    <a:masterClrMapping/>
-  </p:clrMapOvr>
-</p:sld>
-</file>
-
-<file path=ppt/slides/slide26.xml><?xml version="1.0" encoding="utf-8"?>
-<p:sld xmlns:a="http://schemas.openxmlformats.org/drawingml/2006/main" xmlns:r="http://schemas.openxmlformats.org/officeDocument/2006/relationships" xmlns:p="http://schemas.openxmlformats.org/presentationml/2006/main">
-  <p:cSld>
-    <p:spTree>
-      <p:nvGrpSpPr>
-        <p:cNvPr id="1" name=""/>
-        <p:cNvGrpSpPr/>
-        <p:nvPr/>
-      </p:nvGrpSpPr>
-      <p:grpSpPr>
-        <a:xfrm>
-          <a:off x="0" y="0"/>
-          <a:ext cx="0" cy="0"/>
-          <a:chOff x="0" y="0"/>
-          <a:chExt cx="0" cy="0"/>
-        </a:xfrm>
-      </p:grpSpPr>
-      <p:sp>
-        <p:nvSpPr>
-          <p:cNvPr id="2" name="Title 1">
-            <a:extLst>
-              <a:ext uri="{FF2B5EF4-FFF2-40B4-BE49-F238E27FC236}">
-                <a16:creationId xmlns:a16="http://schemas.microsoft.com/office/drawing/2014/main" id="{B2B23EEE-DFD9-4375-B9A2-4AAFC1314EEC}"/>
-              </a:ext>
-            </a:extLst>
-          </p:cNvPr>
-          <p:cNvSpPr>
-            <a:spLocks noGrp="1"/>
-          </p:cNvSpPr>
-          <p:nvPr>
-            <p:ph type="title"/>
-          </p:nvPr>
-        </p:nvSpPr>
-        <p:spPr>
-          <a:xfrm>
-            <a:off x="150920" y="134487"/>
-            <a:ext cx="11532093" cy="620115"/>
-          </a:xfrm>
-        </p:spPr>
-        <p:txBody>
-          <a:bodyPr>
-            <a:noAutofit/>
-          </a:bodyPr>
-          <a:lstStyle/>
-          <a:p>
-            <a:r>
-              <a:rPr lang="en-US" sz="3200" dirty="0"/>
-              <a:t>Using the GLMM estimates, is there a relationship to histone levels?</a:t>
-            </a:r>
-            <a:br>
-              <a:rPr lang="en-US" sz="3200" dirty="0"/>
-            </a:br>
-            <a:r>
-              <a:rPr lang="en-US" sz="3200" dirty="0"/>
-              <a:t>(Colored by RNA abundance)</a:t>
-            </a:r>
-          </a:p>
-        </p:txBody>
-      </p:sp>
-      <p:pic>
-        <p:nvPicPr>
-          <p:cNvPr id="4" name="Picture 3">
-            <a:extLst>
-              <a:ext uri="{FF2B5EF4-FFF2-40B4-BE49-F238E27FC236}">
-                <a16:creationId xmlns:a16="http://schemas.microsoft.com/office/drawing/2014/main" id="{E671639D-0BEB-4421-8A98-36B48A960E0D}"/>
-              </a:ext>
-            </a:extLst>
-          </p:cNvPr>
-          <p:cNvPicPr>
-            <a:picLocks noChangeAspect="1"/>
-          </p:cNvPicPr>
-          <p:nvPr/>
-        </p:nvPicPr>
-        <p:blipFill>
-          <a:blip r:embed="rId2"/>
-          <a:stretch>
-            <a:fillRect/>
-          </a:stretch>
-        </p:blipFill>
-        <p:spPr>
-          <a:xfrm>
-            <a:off x="95250" y="1306774"/>
-            <a:ext cx="12001500" cy="5238750"/>
-          </a:xfrm>
-          <a:prstGeom prst="rect">
-            <a:avLst/>
-          </a:prstGeom>
-        </p:spPr>
-      </p:pic>
-    </p:spTree>
-    <p:extLst>
-      <p:ext uri="{BB962C8B-B14F-4D97-AF65-F5344CB8AC3E}">
-        <p14:creationId xmlns:p14="http://schemas.microsoft.com/office/powerpoint/2010/main" val="1126282096"/>
       </p:ext>
     </p:extLst>
   </p:cSld>
@@ -6304,7 +6539,7 @@
           <p:cNvPr id="2" name="Title 1">
             <a:extLst>
               <a:ext uri="{FF2B5EF4-FFF2-40B4-BE49-F238E27FC236}">
-                <a16:creationId xmlns:a16="http://schemas.microsoft.com/office/drawing/2014/main" id="{036DE1E7-669A-4D55-9422-D22AC79B40C3}"/>
+                <a16:creationId xmlns:a16="http://schemas.microsoft.com/office/drawing/2014/main" id="{B2B23EEE-DFD9-4375-B9A2-4AAFC1314EEC}"/>
               </a:ext>
             </a:extLst>
           </p:cNvPr>
@@ -6317,17 +6552,26 @@
         </p:nvSpPr>
         <p:spPr>
           <a:xfrm>
-            <a:off x="509726" y="267471"/>
-            <a:ext cx="10515600" cy="735706"/>
-          </a:xfrm>
-        </p:spPr>
-        <p:txBody>
-          <a:bodyPr/>
-          <a:lstStyle/>
-          <a:p>
-            <a:r>
-              <a:rPr lang="en-US" dirty="0"/>
-              <a:t>Transcription GLMM</a:t>
+            <a:off x="150920" y="134487"/>
+            <a:ext cx="11532093" cy="620115"/>
+          </a:xfrm>
+        </p:spPr>
+        <p:txBody>
+          <a:bodyPr>
+            <a:noAutofit/>
+          </a:bodyPr>
+          <a:lstStyle/>
+          <a:p>
+            <a:r>
+              <a:rPr lang="en-US" sz="3200" dirty="0"/>
+              <a:t>Using the GLMM estimates, is there a relationship to histone levels?</a:t>
+            </a:r>
+            <a:br>
+              <a:rPr lang="en-US" sz="3200" dirty="0"/>
+            </a:br>
+            <a:r>
+              <a:rPr lang="en-US" sz="3200" dirty="0"/>
+              <a:t>(Colored by RNA abundance)</a:t>
             </a:r>
           </a:p>
         </p:txBody>
@@ -6337,7 +6581,7 @@
           <p:cNvPr id="4" name="Picture 3">
             <a:extLst>
               <a:ext uri="{FF2B5EF4-FFF2-40B4-BE49-F238E27FC236}">
-                <a16:creationId xmlns:a16="http://schemas.microsoft.com/office/drawing/2014/main" id="{EFC72786-F0DC-4644-BB9C-EF6A7AC0179A}"/>
+                <a16:creationId xmlns:a16="http://schemas.microsoft.com/office/drawing/2014/main" id="{E671639D-0BEB-4421-8A98-36B48A960E0D}"/>
               </a:ext>
             </a:extLst>
           </p:cNvPr>
@@ -6354,8 +6598,8 @@
         </p:blipFill>
         <p:spPr>
           <a:xfrm>
-            <a:off x="2876365" y="989025"/>
-            <a:ext cx="6113581" cy="5743548"/>
+            <a:off x="95250" y="1306774"/>
+            <a:ext cx="12001500" cy="5238750"/>
           </a:xfrm>
           <a:prstGeom prst="rect">
             <a:avLst/>
@@ -6365,7 +6609,7 @@
     </p:spTree>
     <p:extLst>
       <p:ext uri="{BB962C8B-B14F-4D97-AF65-F5344CB8AC3E}">
-        <p14:creationId xmlns:p14="http://schemas.microsoft.com/office/powerpoint/2010/main" val="2709699587"/>
+        <p14:creationId xmlns:p14="http://schemas.microsoft.com/office/powerpoint/2010/main" val="1126282096"/>
       </p:ext>
     </p:extLst>
   </p:cSld>
@@ -6397,7 +6641,7 @@
           <p:cNvPr id="2" name="Title 1">
             <a:extLst>
               <a:ext uri="{FF2B5EF4-FFF2-40B4-BE49-F238E27FC236}">
-                <a16:creationId xmlns:a16="http://schemas.microsoft.com/office/drawing/2014/main" id="{69D06D70-793C-476B-8C4E-7D513BE94F27}"/>
+                <a16:creationId xmlns:a16="http://schemas.microsoft.com/office/drawing/2014/main" id="{036DE1E7-669A-4D55-9422-D22AC79B40C3}"/>
               </a:ext>
             </a:extLst>
           </p:cNvPr>
@@ -6410,8 +6654,8 @@
         </p:nvSpPr>
         <p:spPr>
           <a:xfrm>
-            <a:off x="580748" y="107674"/>
-            <a:ext cx="10515600" cy="726828"/>
+            <a:off x="509726" y="267471"/>
+            <a:ext cx="10515600" cy="735706"/>
           </a:xfrm>
         </p:spPr>
         <p:txBody>
@@ -6420,15 +6664,7 @@
           <a:p>
             <a:r>
               <a:rPr lang="en-US" dirty="0"/>
-              <a:t>Positive </a:t>
-            </a:r>
-            <a:r>
-              <a:rPr lang="en-US" dirty="0" err="1"/>
-              <a:t>txGLMM</a:t>
-            </a:r>
-            <a:r>
-              <a:rPr lang="en-US" dirty="0"/>
-              <a:t> estimate example (YFR044C)</a:t>
+              <a:t>Transcription GLMM</a:t>
             </a:r>
           </a:p>
         </p:txBody>
@@ -6438,7 +6674,7 @@
           <p:cNvPr id="4" name="Picture 3">
             <a:extLst>
               <a:ext uri="{FF2B5EF4-FFF2-40B4-BE49-F238E27FC236}">
-                <a16:creationId xmlns:a16="http://schemas.microsoft.com/office/drawing/2014/main" id="{6488CD42-92BC-40AC-AA14-33E72F20CC96}"/>
+                <a16:creationId xmlns:a16="http://schemas.microsoft.com/office/drawing/2014/main" id="{EFC72786-F0DC-4644-BB9C-EF6A7AC0179A}"/>
               </a:ext>
             </a:extLst>
           </p:cNvPr>
@@ -6455,8 +6691,154 @@
         </p:blipFill>
         <p:spPr>
           <a:xfrm>
-            <a:off x="3240058" y="966807"/>
-            <a:ext cx="5711883" cy="5704761"/>
+            <a:off x="200496" y="1967345"/>
+            <a:ext cx="5205740" cy="4890655"/>
+          </a:xfrm>
+          <a:prstGeom prst="rect">
+            <a:avLst/>
+          </a:prstGeom>
+        </p:spPr>
+      </p:pic>
+      <p:sp>
+        <p:nvSpPr>
+          <p:cNvPr id="3" name="Rectangle 2">
+            <a:extLst>
+              <a:ext uri="{FF2B5EF4-FFF2-40B4-BE49-F238E27FC236}">
+                <a16:creationId xmlns:a16="http://schemas.microsoft.com/office/drawing/2014/main" id="{0049D19A-3289-1C44-93EA-EC847AC82052}"/>
+              </a:ext>
+            </a:extLst>
+          </p:cNvPr>
+          <p:cNvSpPr/>
+          <p:nvPr/>
+        </p:nvSpPr>
+        <p:spPr>
+          <a:xfrm>
+            <a:off x="1892145" y="1115928"/>
+            <a:ext cx="4908780" cy="369332"/>
+          </a:xfrm>
+          <a:prstGeom prst="rect">
+            <a:avLst/>
+          </a:prstGeom>
+        </p:spPr>
+        <p:txBody>
+          <a:bodyPr wrap="none">
+            <a:spAutoFit/>
+          </a:bodyPr>
+          <a:lstStyle/>
+          <a:p>
+            <a:pPr lvl="1"/>
+            <a:r>
+              <a:rPr lang="en-US" dirty="0"/>
+              <a:t>E[g(y)] = intercept + β</a:t>
+            </a:r>
+            <a:r>
+              <a:rPr lang="en-US" baseline="-25000" dirty="0" err="1"/>
+              <a:t>time</a:t>
+            </a:r>
+            <a:r>
+              <a:rPr lang="en-US" dirty="0" err="1"/>
+              <a:t>X</a:t>
+            </a:r>
+            <a:r>
+              <a:rPr lang="en-US" baseline="-25000" dirty="0" err="1"/>
+              <a:t>time</a:t>
+            </a:r>
+            <a:r>
+              <a:rPr lang="en-US" dirty="0"/>
+              <a:t> + β</a:t>
+            </a:r>
+            <a:r>
+              <a:rPr lang="en-US" baseline="-25000" dirty="0" err="1"/>
+              <a:t>histone</a:t>
+            </a:r>
+            <a:r>
+              <a:rPr lang="en-US" dirty="0" err="1"/>
+              <a:t>X</a:t>
+            </a:r>
+            <a:r>
+              <a:rPr lang="en-US" baseline="-25000" dirty="0" err="1"/>
+              <a:t>time</a:t>
+            </a:r>
+            <a:r>
+              <a:rPr lang="en-US" dirty="0"/>
+              <a:t> + e</a:t>
+            </a:r>
+          </a:p>
+        </p:txBody>
+      </p:sp>
+      <p:sp>
+        <p:nvSpPr>
+          <p:cNvPr id="5" name="Rectangle 4">
+            <a:extLst>
+              <a:ext uri="{FF2B5EF4-FFF2-40B4-BE49-F238E27FC236}">
+                <a16:creationId xmlns:a16="http://schemas.microsoft.com/office/drawing/2014/main" id="{3DD3480B-9CC1-2448-87A9-DE1E73A690DB}"/>
+              </a:ext>
+            </a:extLst>
+          </p:cNvPr>
+          <p:cNvSpPr/>
+          <p:nvPr/>
+        </p:nvSpPr>
+        <p:spPr>
+          <a:xfrm>
+            <a:off x="6477999" y="330392"/>
+            <a:ext cx="3197157" cy="923330"/>
+          </a:xfrm>
+          <a:prstGeom prst="rect">
+            <a:avLst/>
+          </a:prstGeom>
+        </p:spPr>
+        <p:txBody>
+          <a:bodyPr wrap="none">
+            <a:spAutoFit/>
+          </a:bodyPr>
+          <a:lstStyle/>
+          <a:p>
+            <a:pPr lvl="1"/>
+            <a:r>
+              <a:rPr lang="en-US" dirty="0"/>
+              <a:t>y: transcript levels</a:t>
+            </a:r>
+          </a:p>
+          <a:p>
+            <a:pPr lvl="1"/>
+            <a:r>
+              <a:rPr lang="en-US" dirty="0"/>
+              <a:t>y ~ log norm + hurdle</a:t>
+            </a:r>
+          </a:p>
+          <a:p>
+            <a:pPr lvl="1"/>
+            <a:r>
+              <a:rPr lang="en-US" dirty="0"/>
+              <a:t>hurdle: allow for 0 inflation</a:t>
+            </a:r>
+          </a:p>
+        </p:txBody>
+      </p:sp>
+      <p:pic>
+        <p:nvPicPr>
+          <p:cNvPr id="6" name="Picture 5">
+            <a:extLst>
+              <a:ext uri="{FF2B5EF4-FFF2-40B4-BE49-F238E27FC236}">
+                <a16:creationId xmlns:a16="http://schemas.microsoft.com/office/drawing/2014/main" id="{2ECD06F3-2B71-A440-BEE2-CE1A4FA5C218}"/>
+              </a:ext>
+            </a:extLst>
+          </p:cNvPr>
+          <p:cNvPicPr>
+            <a:picLocks noChangeAspect="1"/>
+          </p:cNvPicPr>
+          <p:nvPr/>
+        </p:nvPicPr>
+        <p:blipFill>
+          <a:blip r:embed="rId3"/>
+          <a:stretch>
+            <a:fillRect/>
+          </a:stretch>
+        </p:blipFill>
+        <p:spPr>
+          <a:xfrm>
+            <a:off x="5705835" y="3020291"/>
+            <a:ext cx="6469613" cy="2938834"/>
           </a:xfrm>
           <a:prstGeom prst="rect">
             <a:avLst/>
@@ -6466,7 +6848,7 @@
     </p:spTree>
     <p:extLst>
       <p:ext uri="{BB962C8B-B14F-4D97-AF65-F5344CB8AC3E}">
-        <p14:creationId xmlns:p14="http://schemas.microsoft.com/office/powerpoint/2010/main" val="1794927219"/>
+        <p14:creationId xmlns:p14="http://schemas.microsoft.com/office/powerpoint/2010/main" val="2709699587"/>
       </p:ext>
     </p:extLst>
   </p:cSld>
@@ -6516,14 +6898,12 @@
           </a:xfrm>
         </p:spPr>
         <p:txBody>
-          <a:bodyPr>
-            <a:normAutofit fontScale="90000"/>
-          </a:bodyPr>
+          <a:bodyPr/>
           <a:lstStyle/>
           <a:p>
             <a:r>
               <a:rPr lang="en-US" dirty="0"/>
-              <a:t>Negative </a:t>
+              <a:t>Positive </a:t>
             </a:r>
             <a:r>
               <a:rPr lang="en-US" dirty="0" err="1"/>
@@ -6531,17 +6911,17 @@
             </a:r>
             <a:r>
               <a:rPr lang="en-US" dirty="0"/>
-              <a:t> estimate example (YCL002C)</a:t>
+              <a:t> estimate example (YFR044C)</a:t>
             </a:r>
           </a:p>
         </p:txBody>
       </p:sp>
       <p:pic>
         <p:nvPicPr>
-          <p:cNvPr id="3" name="Picture 2">
-            <a:extLst>
-              <a:ext uri="{FF2B5EF4-FFF2-40B4-BE49-F238E27FC236}">
-                <a16:creationId xmlns:a16="http://schemas.microsoft.com/office/drawing/2014/main" id="{03EF5FAF-0954-421E-B6CB-75D37952BD1C}"/>
+          <p:cNvPr id="4" name="Picture 3">
+            <a:extLst>
+              <a:ext uri="{FF2B5EF4-FFF2-40B4-BE49-F238E27FC236}">
+                <a16:creationId xmlns:a16="http://schemas.microsoft.com/office/drawing/2014/main" id="{6488CD42-92BC-40AC-AA14-33E72F20CC96}"/>
               </a:ext>
             </a:extLst>
           </p:cNvPr>
@@ -6558,8 +6938,8 @@
         </p:blipFill>
         <p:spPr>
           <a:xfrm>
-            <a:off x="3348322" y="1072385"/>
-            <a:ext cx="5495356" cy="5537040"/>
+            <a:off x="3240058" y="966807"/>
+            <a:ext cx="5711883" cy="5704761"/>
           </a:xfrm>
           <a:prstGeom prst="rect">
             <a:avLst/>
@@ -6569,7 +6949,7 @@
     </p:spTree>
     <p:extLst>
       <p:ext uri="{BB962C8B-B14F-4D97-AF65-F5344CB8AC3E}">
-        <p14:creationId xmlns:p14="http://schemas.microsoft.com/office/powerpoint/2010/main" val="4050568033"/>
+        <p14:creationId xmlns:p14="http://schemas.microsoft.com/office/powerpoint/2010/main" val="1794927219"/>
       </p:ext>
     </p:extLst>
   </p:cSld>
@@ -6773,7 +7153,7 @@
         </p:nvSpPr>
         <p:spPr>
           <a:xfrm>
-            <a:off x="429827" y="204188"/>
+            <a:off x="580748" y="107674"/>
             <a:ext cx="10515600" cy="726828"/>
           </a:xfrm>
         </p:spPr>
@@ -6785,7 +7165,7 @@
           <a:p>
             <a:r>
               <a:rPr lang="en-US" dirty="0"/>
-              <a:t>Confident gene example from both </a:t>
+              <a:t>Negative </a:t>
             </a:r>
             <a:r>
               <a:rPr lang="en-US" dirty="0" err="1"/>
@@ -6793,7 +7173,7 @@
             </a:r>
             <a:r>
               <a:rPr lang="en-US" dirty="0"/>
-              <a:t> and histone GLMM (YDL216C)</a:t>
+              <a:t> estimate example (YCL002C)</a:t>
             </a:r>
           </a:p>
         </p:txBody>
@@ -6803,7 +7183,7 @@
           <p:cNvPr id="3" name="Picture 2">
             <a:extLst>
               <a:ext uri="{FF2B5EF4-FFF2-40B4-BE49-F238E27FC236}">
-                <a16:creationId xmlns:a16="http://schemas.microsoft.com/office/drawing/2014/main" id="{8E3490F9-A53B-45F3-9D3B-33355463C214}"/>
+                <a16:creationId xmlns:a16="http://schemas.microsoft.com/office/drawing/2014/main" id="{03EF5FAF-0954-421E-B6CB-75D37952BD1C}"/>
               </a:ext>
             </a:extLst>
           </p:cNvPr>
@@ -6820,6 +7200,109 @@
         </p:blipFill>
         <p:spPr>
           <a:xfrm>
+            <a:off x="3348322" y="1072385"/>
+            <a:ext cx="5495356" cy="5537040"/>
+          </a:xfrm>
+          <a:prstGeom prst="rect">
+            <a:avLst/>
+          </a:prstGeom>
+        </p:spPr>
+      </p:pic>
+    </p:spTree>
+    <p:extLst>
+      <p:ext uri="{BB962C8B-B14F-4D97-AF65-F5344CB8AC3E}">
+        <p14:creationId xmlns:p14="http://schemas.microsoft.com/office/powerpoint/2010/main" val="4050568033"/>
+      </p:ext>
+    </p:extLst>
+  </p:cSld>
+  <p:clrMapOvr>
+    <a:masterClrMapping/>
+  </p:clrMapOvr>
+</p:sld>
+</file>
+
+<file path=ppt/slides/slide31.xml><?xml version="1.0" encoding="utf-8"?>
+<p:sld xmlns:a="http://schemas.openxmlformats.org/drawingml/2006/main" xmlns:r="http://schemas.openxmlformats.org/officeDocument/2006/relationships" xmlns:p="http://schemas.openxmlformats.org/presentationml/2006/main">
+  <p:cSld>
+    <p:spTree>
+      <p:nvGrpSpPr>
+        <p:cNvPr id="1" name=""/>
+        <p:cNvGrpSpPr/>
+        <p:nvPr/>
+      </p:nvGrpSpPr>
+      <p:grpSpPr>
+        <a:xfrm>
+          <a:off x="0" y="0"/>
+          <a:ext cx="0" cy="0"/>
+          <a:chOff x="0" y="0"/>
+          <a:chExt cx="0" cy="0"/>
+        </a:xfrm>
+      </p:grpSpPr>
+      <p:sp>
+        <p:nvSpPr>
+          <p:cNvPr id="2" name="Title 1">
+            <a:extLst>
+              <a:ext uri="{FF2B5EF4-FFF2-40B4-BE49-F238E27FC236}">
+                <a16:creationId xmlns:a16="http://schemas.microsoft.com/office/drawing/2014/main" id="{69D06D70-793C-476B-8C4E-7D513BE94F27}"/>
+              </a:ext>
+            </a:extLst>
+          </p:cNvPr>
+          <p:cNvSpPr>
+            <a:spLocks noGrp="1"/>
+          </p:cNvSpPr>
+          <p:nvPr>
+            <p:ph type="title"/>
+          </p:nvPr>
+        </p:nvSpPr>
+        <p:spPr>
+          <a:xfrm>
+            <a:off x="429827" y="204188"/>
+            <a:ext cx="10515600" cy="726828"/>
+          </a:xfrm>
+        </p:spPr>
+        <p:txBody>
+          <a:bodyPr>
+            <a:normAutofit fontScale="90000"/>
+          </a:bodyPr>
+          <a:lstStyle/>
+          <a:p>
+            <a:r>
+              <a:rPr lang="en-US" dirty="0"/>
+              <a:t>Confident gene example from both </a:t>
+            </a:r>
+            <a:r>
+              <a:rPr lang="en-US" dirty="0" err="1"/>
+              <a:t>txGLMM</a:t>
+            </a:r>
+            <a:r>
+              <a:rPr lang="en-US" dirty="0"/>
+              <a:t> and histone GLMM (YDL216C)</a:t>
+            </a:r>
+          </a:p>
+        </p:txBody>
+      </p:sp>
+      <p:pic>
+        <p:nvPicPr>
+          <p:cNvPr id="3" name="Picture 2">
+            <a:extLst>
+              <a:ext uri="{FF2B5EF4-FFF2-40B4-BE49-F238E27FC236}">
+                <a16:creationId xmlns:a16="http://schemas.microsoft.com/office/drawing/2014/main" id="{8E3490F9-A53B-45F3-9D3B-33355463C214}"/>
+              </a:ext>
+            </a:extLst>
+          </p:cNvPr>
+          <p:cNvPicPr>
+            <a:picLocks noChangeAspect="1"/>
+          </p:cNvPicPr>
+          <p:nvPr/>
+        </p:nvPicPr>
+        <p:blipFill>
+          <a:blip r:embed="rId2"/>
+          <a:stretch>
+            <a:fillRect/>
+          </a:stretch>
+        </p:blipFill>
+        <p:spPr>
+          <a:xfrm>
             <a:off x="3358871" y="1213301"/>
             <a:ext cx="5474258" cy="5564799"/>
           </a:xfrm>
@@ -6832,6 +7315,129 @@
     <p:extLst>
       <p:ext uri="{BB962C8B-B14F-4D97-AF65-F5344CB8AC3E}">
         <p14:creationId xmlns:p14="http://schemas.microsoft.com/office/powerpoint/2010/main" val="2358175761"/>
+      </p:ext>
+    </p:extLst>
+  </p:cSld>
+  <p:clrMapOvr>
+    <a:masterClrMapping/>
+  </p:clrMapOvr>
+</p:sld>
+</file>
+
+<file path=ppt/slides/slide32.xml><?xml version="1.0" encoding="utf-8"?>
+<p:sld xmlns:a="http://schemas.openxmlformats.org/drawingml/2006/main" xmlns:r="http://schemas.openxmlformats.org/officeDocument/2006/relationships" xmlns:p="http://schemas.openxmlformats.org/presentationml/2006/main">
+  <p:cSld>
+    <p:spTree>
+      <p:nvGrpSpPr>
+        <p:cNvPr id="1" name=""/>
+        <p:cNvGrpSpPr/>
+        <p:nvPr/>
+      </p:nvGrpSpPr>
+      <p:grpSpPr>
+        <a:xfrm>
+          <a:off x="0" y="0"/>
+          <a:ext cx="0" cy="0"/>
+          <a:chOff x="0" y="0"/>
+          <a:chExt cx="0" cy="0"/>
+        </a:xfrm>
+      </p:grpSpPr>
+      <p:sp>
+        <p:nvSpPr>
+          <p:cNvPr id="2" name="Title 1">
+            <a:extLst>
+              <a:ext uri="{FF2B5EF4-FFF2-40B4-BE49-F238E27FC236}">
+                <a16:creationId xmlns:a16="http://schemas.microsoft.com/office/drawing/2014/main" id="{66B3242D-2446-3A43-B729-C96D505E88EE}"/>
+              </a:ext>
+            </a:extLst>
+          </p:cNvPr>
+          <p:cNvSpPr>
+            <a:spLocks noGrp="1"/>
+          </p:cNvSpPr>
+          <p:nvPr>
+            <p:ph type="title"/>
+          </p:nvPr>
+        </p:nvSpPr>
+        <p:spPr/>
+        <p:txBody>
+          <a:bodyPr/>
+          <a:lstStyle/>
+          <a:p>
+            <a:r>
+              <a:rPr lang="en-US" dirty="0"/>
+              <a:t>Modeling Tx and non-proportional histone marks</a:t>
+            </a:r>
+          </a:p>
+        </p:txBody>
+      </p:sp>
+      <p:sp>
+        <p:nvSpPr>
+          <p:cNvPr id="3" name="Content Placeholder 2">
+            <a:extLst>
+              <a:ext uri="{FF2B5EF4-FFF2-40B4-BE49-F238E27FC236}">
+                <a16:creationId xmlns:a16="http://schemas.microsoft.com/office/drawing/2014/main" id="{838E4F3A-9F0E-F94E-85F7-9EDC42FFEF54}"/>
+              </a:ext>
+            </a:extLst>
+          </p:cNvPr>
+          <p:cNvSpPr>
+            <a:spLocks noGrp="1"/>
+          </p:cNvSpPr>
+          <p:nvPr>
+            <p:ph idx="1"/>
+          </p:nvPr>
+        </p:nvSpPr>
+        <p:spPr/>
+        <p:txBody>
+          <a:bodyPr/>
+          <a:lstStyle/>
+          <a:p>
+            <a:r>
+              <a:rPr lang="en-US" dirty="0"/>
+              <a:t>Want to spend a little more time fine-tuning these GLMMs</a:t>
+            </a:r>
+          </a:p>
+          <a:p>
+            <a:r>
+              <a:rPr lang="en-US" dirty="0"/>
+              <a:t>Shouldn’t over-interpret beta regression coefficients as the scale is kind of artificial</a:t>
+            </a:r>
+          </a:p>
+          <a:p>
+            <a:pPr lvl="1"/>
+            <a:r>
+              <a:rPr lang="en-US" dirty="0"/>
+              <a:t>Valid approach for recognizing patterns</a:t>
+            </a:r>
+          </a:p>
+          <a:p>
+            <a:pPr lvl="1"/>
+            <a:r>
+              <a:rPr lang="en-US" dirty="0"/>
+              <a:t>Potentially interesting to see how results differ on a more raw form of the data</a:t>
+            </a:r>
+          </a:p>
+          <a:p>
+            <a:pPr lvl="2"/>
+            <a:r>
+              <a:rPr lang="en-US" dirty="0"/>
+              <a:t>Noisier because data is less standardized</a:t>
+            </a:r>
+          </a:p>
+          <a:p>
+            <a:pPr lvl="2"/>
+            <a:r>
+              <a:rPr lang="en-US" dirty="0"/>
+              <a:t>Coefficients likely have more meaning</a:t>
+            </a:r>
+          </a:p>
+          <a:p>
+            <a:endParaRPr lang="en-US" dirty="0"/>
+          </a:p>
+        </p:txBody>
+      </p:sp>
+    </p:spTree>
+    <p:extLst>
+      <p:ext uri="{BB962C8B-B14F-4D97-AF65-F5344CB8AC3E}">
+        <p14:creationId xmlns:p14="http://schemas.microsoft.com/office/powerpoint/2010/main" val="548622423"/>
       </p:ext>
     </p:extLst>
   </p:cSld>
@@ -6888,7 +7494,7 @@
           <a:p>
             <a:r>
               <a:rPr lang="en-US" sz="3600" dirty="0"/>
-              <a:t>Single gene and assay model results</a:t>
+              <a:t>Single gene x assay model results</a:t>
             </a:r>
           </a:p>
         </p:txBody>
@@ -6959,7 +7565,15 @@
             </a:r>
             <a:r>
               <a:rPr lang="en-US" dirty="0"/>
-              <a:t> and 95% Credible interval (Bayesian version of a confidence interval)</a:t>
+              <a:t> and 95% Credible interval (</a:t>
+            </a:r>
+            <a:r>
+              <a:rPr lang="en-US" dirty="0" err="1"/>
+              <a:t>CrI</a:t>
+            </a:r>
+            <a:r>
+              <a:rPr lang="en-US" dirty="0"/>
+              <a:t>; Bayesian version of a confidence interval)</a:t>
             </a:r>
           </a:p>
           <a:p>
@@ -6974,7 +7588,7 @@
             </a:r>
             <a:r>
               <a:rPr lang="en-US" dirty="0"/>
-              <a:t> don’t cross 0 are what we’re calling “confident genes”</a:t>
+              <a:t> that don’t include 0 are what we’re calling “confident genes”</a:t>
             </a:r>
           </a:p>
         </p:txBody>
@@ -7123,8 +7737,8 @@
         </p:nvSpPr>
         <p:spPr>
           <a:xfrm>
-            <a:off x="7392021" y="760969"/>
-            <a:ext cx="4447972" cy="923330"/>
+            <a:off x="7243482" y="376518"/>
+            <a:ext cx="4596511" cy="1200329"/>
           </a:xfrm>
           <a:prstGeom prst="rect">
             <a:avLst/>
@@ -7144,7 +7758,7 @@
           <a:p>
             <a:r>
               <a:rPr lang="en-US" b="1" dirty="0"/>
-              <a:t>** We added more iterations to the model to more accurately quantify estimates of gain/loss</a:t>
+              <a:t>** Estimates have greatly stabilized -- previously we had some extreme estimates with high error – by increasing the number of samples/iterations</a:t>
             </a:r>
           </a:p>
         </p:txBody>
@@ -7748,6 +8362,58 @@
           </a:fontRef>
         </p:style>
       </p:cxnSp>
+      <p:sp>
+        <p:nvSpPr>
+          <p:cNvPr id="15" name="Rectangle 14">
+            <a:extLst>
+              <a:ext uri="{FF2B5EF4-FFF2-40B4-BE49-F238E27FC236}">
+                <a16:creationId xmlns:a16="http://schemas.microsoft.com/office/drawing/2014/main" id="{B3ED1E78-3C39-6B43-99B1-3484652257C6}"/>
+              </a:ext>
+            </a:extLst>
+          </p:cNvPr>
+          <p:cNvSpPr/>
+          <p:nvPr/>
+        </p:nvSpPr>
+        <p:spPr>
+          <a:xfrm>
+            <a:off x="9431571" y="4491318"/>
+            <a:ext cx="617864" cy="541841"/>
+          </a:xfrm>
+          <a:prstGeom prst="rect">
+            <a:avLst/>
+          </a:prstGeom>
+          <a:noFill/>
+          <a:ln w="38100">
+            <a:solidFill>
+              <a:srgbClr val="00B050"/>
+            </a:solidFill>
+          </a:ln>
+        </p:spPr>
+        <p:style>
+          <a:lnRef idx="2">
+            <a:schemeClr val="accent1">
+              <a:shade val="50000"/>
+            </a:schemeClr>
+          </a:lnRef>
+          <a:fillRef idx="1">
+            <a:schemeClr val="accent1"/>
+          </a:fillRef>
+          <a:effectRef idx="0">
+            <a:schemeClr val="accent1"/>
+          </a:effectRef>
+          <a:fontRef idx="minor">
+            <a:schemeClr val="lt1"/>
+          </a:fontRef>
+        </p:style>
+        <p:txBody>
+          <a:bodyPr rtlCol="0" anchor="ctr"/>
+          <a:lstStyle/>
+          <a:p>
+            <a:pPr algn="ctr"/>
+            <a:endParaRPr lang="en-US"/>
+          </a:p>
+        </p:txBody>
+      </p:sp>
     </p:spTree>
     <p:extLst>
       <p:ext uri="{BB962C8B-B14F-4D97-AF65-F5344CB8AC3E}">
@@ -7821,7 +8487,7 @@
             </a:r>
             <a:r>
               <a:rPr lang="en-US" i="1" dirty="0"/>
-              <a:t> above 0)</a:t>
+              <a:t> do not include 0)</a:t>
             </a:r>
           </a:p>
         </p:txBody>
@@ -8013,13 +8679,13 @@
         <p:spPr/>
         <p:txBody>
           <a:bodyPr>
-            <a:normAutofit fontScale="90000"/>
+            <a:normAutofit/>
           </a:bodyPr>
           <a:lstStyle/>
           <a:p>
             <a:r>
               <a:rPr lang="en-US" dirty="0"/>
-              <a:t>So now that we have the model and estimates, can we correlate them with anything?</a:t>
+              <a:t>So now that we have the model and estimates, what is next?</a:t>
             </a:r>
           </a:p>
         </p:txBody>
@@ -8080,7 +8746,7 @@
           <a:p>
             <a:r>
               <a:rPr lang="en-US" dirty="0"/>
-              <a:t>Underlying correlations (outside of gain/loss estimates, “intrinsic” to yeast):</a:t>
+              <a:t>Correlations in the data (outside of gain/loss estimates, “intrinsic” to yeast):</a:t>
             </a:r>
           </a:p>
           <a:p>
@@ -8100,7 +8766,7 @@
           <a:p>
             <a:r>
               <a:rPr lang="en-US" dirty="0"/>
-              <a:t>Correlations using GLMM estimates:</a:t>
+              <a:t>Correlations in the model estimates:</a:t>
             </a:r>
           </a:p>
           <a:p>
